--- a/cad/Walter-Lettering.pptx
+++ b/cad/Walter-Lettering.pptx
@@ -3024,11 +3024,11 @@
           <a:lstStyle/>
           <a:p>
             <a:pPr algn="ctr"/>
-            <a:endParaRPr lang="de-DE" sz="1400" b="1">
+            <a:endParaRPr lang="de-DE" sz="1400" spc="100">
               <a:solidFill>
                 <a:schemeClr val="tx1"/>
               </a:solidFill>
-              <a:latin typeface="Candara" panose="020E0502030303020204" pitchFamily="34" charset="0"/>
+              <a:latin typeface="BankGothic Lt BT" panose="020B0607020203060204" pitchFamily="34" charset="0"/>
               <a:cs typeface="Leelawadee UI Semilight" panose="020B0402040204020203" pitchFamily="34" charset="-34"/>
             </a:endParaRPr>
           </a:p>
@@ -3095,20 +3095,20 @@
             <a:p>
               <a:pPr algn="ctr"/>
               <a:r>
-                <a:rPr lang="de-DE" sz="1400" b="1" dirty="0" err="1" smtClean="0">
+                <a:rPr lang="de-DE" sz="1200" cap="all" dirty="0" err="1" smtClean="0">
                   <a:solidFill>
                     <a:schemeClr val="tx1"/>
                   </a:solidFill>
-                  <a:latin typeface="Candara" panose="020E0502030303020204" pitchFamily="34" charset="0"/>
+                  <a:latin typeface="BankGothic Lt BT" panose="020B0607020203060204" pitchFamily="34" charset="0"/>
                   <a:cs typeface="Leelawadee UI Semilight" panose="020B0402040204020203" pitchFamily="34" charset="-34"/>
                 </a:rPr>
                 <a:t>Heartbeat</a:t>
               </a:r>
-              <a:endParaRPr lang="de-DE" sz="1400" b="1" dirty="0">
+              <a:endParaRPr lang="de-DE" sz="1200" cap="all" dirty="0">
                 <a:solidFill>
                   <a:schemeClr val="tx1"/>
                 </a:solidFill>
-                <a:latin typeface="Candara" panose="020E0502030303020204" pitchFamily="34" charset="0"/>
+                <a:latin typeface="BankGothic Lt BT" panose="020B0607020203060204" pitchFamily="34" charset="0"/>
                 <a:cs typeface="Leelawadee UI Semilight" panose="020B0402040204020203" pitchFamily="34" charset="-34"/>
               </a:endParaRPr>
             </a:p>
@@ -3161,20 +3161,20 @@
             <a:p>
               <a:pPr algn="ctr"/>
               <a:r>
-                <a:rPr lang="de-DE" sz="1400" b="1" dirty="0" smtClean="0">
+                <a:rPr lang="de-DE" sz="1200" cap="all" dirty="0" smtClean="0">
                   <a:solidFill>
                     <a:schemeClr val="tx1"/>
                   </a:solidFill>
-                  <a:latin typeface="Candara" panose="020E0502030303020204" pitchFamily="34" charset="0"/>
+                  <a:latin typeface="BankGothic Lt BT" panose="020B0607020203060204" pitchFamily="34" charset="0"/>
                   <a:cs typeface="Leelawadee UI Semilight" panose="020B0402040204020203" pitchFamily="34" charset="-34"/>
                 </a:rPr>
                 <a:t>Setup</a:t>
               </a:r>
-              <a:endParaRPr lang="de-DE" sz="1400" b="1" dirty="0" smtClean="0">
+              <a:endParaRPr lang="de-DE" sz="1200" cap="all" dirty="0" smtClean="0">
                 <a:solidFill>
                   <a:schemeClr val="tx1"/>
                 </a:solidFill>
-                <a:latin typeface="Candara" panose="020E0502030303020204" pitchFamily="34" charset="0"/>
+                <a:latin typeface="BankGothic Lt BT" panose="020B0607020203060204" pitchFamily="34" charset="0"/>
                 <a:cs typeface="Leelawadee UI Semilight" panose="020B0402040204020203" pitchFamily="34" charset="-34"/>
               </a:endParaRPr>
             </a:p>
@@ -3227,11 +3227,11 @@
             <a:p>
               <a:pPr algn="ctr"/>
               <a:r>
-                <a:rPr lang="de-DE" sz="1400" b="1" dirty="0" smtClean="0">
+                <a:rPr lang="de-DE" sz="1200" cap="all" dirty="0" smtClean="0">
                   <a:solidFill>
                     <a:schemeClr val="tx1"/>
                   </a:solidFill>
-                  <a:latin typeface="Candara" panose="020E0502030303020204" pitchFamily="34" charset="0"/>
+                  <a:latin typeface="BankGothic Lt BT" panose="020B0607020203060204" pitchFamily="34" charset="0"/>
                   <a:cs typeface="Leelawadee UI Semilight" panose="020B0402040204020203" pitchFamily="34" charset="-34"/>
                 </a:rPr>
                 <a:t>Power</a:t>
@@ -3240,20 +3240,20 @@
             <a:p>
               <a:pPr algn="ctr"/>
               <a:r>
-                <a:rPr lang="de-DE" sz="1400" b="1" dirty="0" smtClean="0">
+                <a:rPr lang="de-DE" sz="1200" cap="all" dirty="0" smtClean="0">
                   <a:solidFill>
                     <a:schemeClr val="tx1"/>
                   </a:solidFill>
-                  <a:latin typeface="Candara" panose="020E0502030303020204" pitchFamily="34" charset="0"/>
+                  <a:latin typeface="BankGothic Lt BT" panose="020B0607020203060204" pitchFamily="34" charset="0"/>
                   <a:cs typeface="Leelawadee UI Semilight" panose="020B0402040204020203" pitchFamily="34" charset="-34"/>
                 </a:rPr>
                 <a:t>On</a:t>
               </a:r>
-              <a:endParaRPr lang="de-DE" sz="1400" b="1" dirty="0" smtClean="0">
+              <a:endParaRPr lang="de-DE" sz="1200" cap="all" dirty="0" smtClean="0">
                 <a:solidFill>
                   <a:schemeClr val="tx1"/>
                 </a:solidFill>
-                <a:latin typeface="Candara" panose="020E0502030303020204" pitchFamily="34" charset="0"/>
+                <a:latin typeface="BankGothic Lt BT" panose="020B0607020203060204" pitchFamily="34" charset="0"/>
                 <a:cs typeface="Leelawadee UI Semilight" panose="020B0402040204020203" pitchFamily="34" charset="-34"/>
               </a:endParaRPr>
             </a:p>
@@ -3306,30 +3306,30 @@
             <a:p>
               <a:pPr algn="ctr"/>
               <a:r>
-                <a:rPr lang="de-DE" sz="1400" b="1" dirty="0" smtClean="0">
+                <a:rPr lang="de-DE" sz="1200" cap="all" dirty="0" smtClean="0">
                   <a:solidFill>
                     <a:schemeClr val="tx1"/>
                   </a:solidFill>
-                  <a:latin typeface="Candara" panose="020E0502030303020204" pitchFamily="34" charset="0"/>
+                  <a:latin typeface="BankGothic Lt BT" panose="020B0607020203060204" pitchFamily="34" charset="0"/>
                   <a:cs typeface="Leelawadee UI Semilight" panose="020B0402040204020203" pitchFamily="34" charset="-34"/>
                 </a:rPr>
                 <a:t>Enable</a:t>
               </a:r>
               <a:r>
-                <a:rPr lang="de-DE" sz="1400" b="1" dirty="0">
+                <a:rPr lang="de-DE" sz="1200" cap="all" dirty="0">
                   <a:solidFill>
                     <a:schemeClr val="tx1"/>
                   </a:solidFill>
-                  <a:latin typeface="Candara" panose="020E0502030303020204" pitchFamily="34" charset="0"/>
+                  <a:latin typeface="BankGothic Lt BT" panose="020B0607020203060204" pitchFamily="34" charset="0"/>
                   <a:cs typeface="Leelawadee UI Semilight" panose="020B0402040204020203" pitchFamily="34" charset="-34"/>
                 </a:rPr>
                 <a:t>d</a:t>
               </a:r>
-              <a:endParaRPr lang="de-DE" sz="1400" b="1" dirty="0" smtClean="0">
+              <a:endParaRPr lang="de-DE" sz="1200" cap="all" dirty="0" smtClean="0">
                 <a:solidFill>
                   <a:schemeClr val="tx1"/>
                 </a:solidFill>
-                <a:latin typeface="Candara" panose="020E0502030303020204" pitchFamily="34" charset="0"/>
+                <a:latin typeface="BankGothic Lt BT" panose="020B0607020203060204" pitchFamily="34" charset="0"/>
                 <a:cs typeface="Leelawadee UI Semilight" panose="020B0402040204020203" pitchFamily="34" charset="-34"/>
               </a:endParaRPr>
             </a:p>
@@ -3382,40 +3382,40 @@
             <a:p>
               <a:pPr algn="ctr"/>
               <a:r>
-                <a:rPr lang="de-DE" sz="1400" b="1" dirty="0" err="1" smtClean="0">
+                <a:rPr lang="de-DE" sz="1200" cap="all" dirty="0" err="1" smtClean="0">
                   <a:solidFill>
                     <a:schemeClr val="tx1"/>
                   </a:solidFill>
-                  <a:latin typeface="Candara" panose="020E0502030303020204" pitchFamily="34" charset="0"/>
+                  <a:latin typeface="BankGothic Lt BT" panose="020B0607020203060204" pitchFamily="34" charset="0"/>
                   <a:cs typeface="Leelawadee UI Semilight" panose="020B0402040204020203" pitchFamily="34" charset="-34"/>
                 </a:rPr>
                 <a:t>Trajectory</a:t>
               </a:r>
-              <a:endParaRPr lang="de-DE" sz="1400" b="1" dirty="0" smtClean="0">
+              <a:endParaRPr lang="de-DE" sz="1200" cap="all" dirty="0" smtClean="0">
                 <a:solidFill>
                   <a:schemeClr val="tx1"/>
                 </a:solidFill>
-                <a:latin typeface="Candara" panose="020E0502030303020204" pitchFamily="34" charset="0"/>
+                <a:latin typeface="BankGothic Lt BT" panose="020B0607020203060204" pitchFamily="34" charset="0"/>
                 <a:cs typeface="Leelawadee UI Semilight" panose="020B0402040204020203" pitchFamily="34" charset="-34"/>
               </a:endParaRPr>
             </a:p>
             <a:p>
               <a:pPr algn="ctr"/>
               <a:r>
-                <a:rPr lang="de-DE" sz="1400" b="1" dirty="0" err="1" smtClean="0">
+                <a:rPr lang="de-DE" sz="1200" cap="all" dirty="0" err="1" smtClean="0">
                   <a:solidFill>
                     <a:schemeClr val="tx1"/>
                   </a:solidFill>
-                  <a:latin typeface="Candara" panose="020E0502030303020204" pitchFamily="34" charset="0"/>
+                  <a:latin typeface="BankGothic Lt BT" panose="020B0607020203060204" pitchFamily="34" charset="0"/>
                   <a:cs typeface="Leelawadee UI Semilight" panose="020B0402040204020203" pitchFamily="34" charset="-34"/>
                 </a:rPr>
                 <a:t>control</a:t>
               </a:r>
-              <a:endParaRPr lang="de-DE" sz="1400" b="1" dirty="0" smtClean="0">
+              <a:endParaRPr lang="de-DE" sz="1200" cap="all" dirty="0" smtClean="0">
                 <a:solidFill>
                   <a:schemeClr val="tx1"/>
                 </a:solidFill>
-                <a:latin typeface="Candara" panose="020E0502030303020204" pitchFamily="34" charset="0"/>
+                <a:latin typeface="BankGothic Lt BT" panose="020B0607020203060204" pitchFamily="34" charset="0"/>
                 <a:cs typeface="Leelawadee UI Semilight" panose="020B0402040204020203" pitchFamily="34" charset="-34"/>
               </a:endParaRPr>
             </a:p>
@@ -3468,11 +3468,11 @@
             <a:p>
               <a:pPr algn="ctr"/>
               <a:r>
-                <a:rPr lang="de-DE" sz="1400" b="1" dirty="0" smtClean="0">
+                <a:rPr lang="de-DE" sz="1200" cap="all" dirty="0" smtClean="0">
                   <a:solidFill>
                     <a:schemeClr val="tx1"/>
                   </a:solidFill>
-                  <a:latin typeface="Candara" panose="020E0502030303020204" pitchFamily="34" charset="0"/>
+                  <a:latin typeface="BankGothic Lt BT" panose="020B0607020203060204" pitchFamily="34" charset="0"/>
                   <a:cs typeface="Leelawadee UI Semilight" panose="020B0402040204020203" pitchFamily="34" charset="-34"/>
                 </a:rPr>
                 <a:t>Pose </a:t>
@@ -3481,20 +3481,20 @@
             <a:p>
               <a:pPr algn="ctr"/>
               <a:r>
-                <a:rPr lang="de-DE" sz="1400" b="1" dirty="0" smtClean="0">
+                <a:rPr lang="de-DE" sz="1200" cap="all" dirty="0" smtClean="0">
                   <a:solidFill>
                     <a:schemeClr val="tx1"/>
                   </a:solidFill>
-                  <a:latin typeface="Candara" panose="020E0502030303020204" pitchFamily="34" charset="0"/>
+                  <a:latin typeface="BankGothic Lt BT" panose="020B0607020203060204" pitchFamily="34" charset="0"/>
                   <a:cs typeface="Leelawadee UI Semilight" panose="020B0402040204020203" pitchFamily="34" charset="-34"/>
                 </a:rPr>
                 <a:t>sample</a:t>
               </a:r>
-              <a:endParaRPr lang="de-DE" sz="1400" b="1" dirty="0">
+              <a:endParaRPr lang="de-DE" sz="1200" cap="all" dirty="0">
                 <a:solidFill>
                   <a:schemeClr val="tx1"/>
                 </a:solidFill>
-                <a:latin typeface="Candara" panose="020E0502030303020204" pitchFamily="34" charset="0"/>
+                <a:latin typeface="BankGothic Lt BT" panose="020B0607020203060204" pitchFamily="34" charset="0"/>
                 <a:cs typeface="Leelawadee UI Semilight" panose="020B0402040204020203" pitchFamily="34" charset="-34"/>
               </a:endParaRPr>
             </a:p>
@@ -3547,40 +3547,40 @@
             <a:p>
               <a:pPr algn="ctr"/>
               <a:r>
-                <a:rPr lang="de-DE" sz="1400" b="1" dirty="0" err="1" smtClean="0">
+                <a:rPr lang="de-DE" sz="1200" cap="all" dirty="0" err="1" smtClean="0">
                   <a:solidFill>
                     <a:schemeClr val="tx1"/>
                   </a:solidFill>
-                  <a:latin typeface="Candara" panose="020E0502030303020204" pitchFamily="34" charset="0"/>
+                  <a:latin typeface="BankGothic Lt BT" panose="020B0607020203060204" pitchFamily="34" charset="0"/>
                   <a:cs typeface="Leelawadee UI Semilight" panose="020B0402040204020203" pitchFamily="34" charset="-34"/>
                 </a:rPr>
                 <a:t>Knob</a:t>
               </a:r>
-              <a:endParaRPr lang="de-DE" sz="1400" b="1" dirty="0">
+              <a:endParaRPr lang="de-DE" sz="1200" cap="all" dirty="0">
                 <a:solidFill>
                   <a:schemeClr val="tx1"/>
                 </a:solidFill>
-                <a:latin typeface="Candara" panose="020E0502030303020204" pitchFamily="34" charset="0"/>
+                <a:latin typeface="BankGothic Lt BT" panose="020B0607020203060204" pitchFamily="34" charset="0"/>
                 <a:cs typeface="Leelawadee UI Semilight" panose="020B0402040204020203" pitchFamily="34" charset="-34"/>
               </a:endParaRPr>
             </a:p>
             <a:p>
               <a:pPr algn="ctr"/>
               <a:r>
-                <a:rPr lang="de-DE" sz="1400" b="1" dirty="0" err="1" smtClean="0">
+                <a:rPr lang="de-DE" sz="1200" cap="all" dirty="0" err="1" smtClean="0">
                   <a:solidFill>
                     <a:schemeClr val="tx1"/>
                   </a:solidFill>
-                  <a:latin typeface="Candara" panose="020E0502030303020204" pitchFamily="34" charset="0"/>
+                  <a:latin typeface="BankGothic Lt BT" panose="020B0607020203060204" pitchFamily="34" charset="0"/>
                   <a:cs typeface="Leelawadee UI Semilight" panose="020B0402040204020203" pitchFamily="34" charset="-34"/>
                 </a:rPr>
                 <a:t>control</a:t>
               </a:r>
-              <a:endParaRPr lang="de-DE" sz="1400" b="1" dirty="0">
+              <a:endParaRPr lang="de-DE" sz="1200" cap="all" dirty="0">
                 <a:solidFill>
                   <a:schemeClr val="tx1"/>
                 </a:solidFill>
-                <a:latin typeface="Candara" panose="020E0502030303020204" pitchFamily="34" charset="0"/>
+                <a:latin typeface="BankGothic Lt BT" panose="020B0607020203060204" pitchFamily="34" charset="0"/>
                 <a:cs typeface="Leelawadee UI Semilight" panose="020B0402040204020203" pitchFamily="34" charset="-34"/>
               </a:endParaRPr>
             </a:p>
@@ -3633,11 +3633,11 @@
             <a:p>
               <a:pPr algn="ctr"/>
               <a:r>
-                <a:rPr lang="de-DE" sz="1400" b="1" dirty="0" smtClean="0">
+                <a:rPr lang="de-DE" sz="1200" cap="all" dirty="0" smtClean="0">
                   <a:solidFill>
                     <a:schemeClr val="tx1"/>
                   </a:solidFill>
-                  <a:latin typeface="Candara" panose="020E0502030303020204" pitchFamily="34" charset="0"/>
+                  <a:latin typeface="BankGothic Lt BT" panose="020B0607020203060204" pitchFamily="34" charset="0"/>
                   <a:cs typeface="Leelawadee UI Semilight" panose="020B0402040204020203" pitchFamily="34" charset="-34"/>
                 </a:rPr>
                 <a:t>User</a:t>
@@ -3646,20 +3646,20 @@
             <a:p>
               <a:pPr algn="ctr"/>
               <a:r>
-                <a:rPr lang="de-DE" sz="1400" b="1" dirty="0" err="1" smtClean="0">
+                <a:rPr lang="de-DE" sz="1200" cap="all" dirty="0" err="1" smtClean="0">
                   <a:solidFill>
                     <a:schemeClr val="tx1"/>
                   </a:solidFill>
-                  <a:latin typeface="Candara" panose="020E0502030303020204" pitchFamily="34" charset="0"/>
+                  <a:latin typeface="BankGothic Lt BT" panose="020B0607020203060204" pitchFamily="34" charset="0"/>
                   <a:cs typeface="Leelawadee UI Semilight" panose="020B0402040204020203" pitchFamily="34" charset="-34"/>
                 </a:rPr>
                 <a:t>control</a:t>
               </a:r>
-              <a:endParaRPr lang="de-DE" sz="1400" b="1" dirty="0">
+              <a:endParaRPr lang="de-DE" sz="1200" cap="all" dirty="0">
                 <a:solidFill>
                   <a:schemeClr val="tx1"/>
                 </a:solidFill>
-                <a:latin typeface="Candara" panose="020E0502030303020204" pitchFamily="34" charset="0"/>
+                <a:latin typeface="BankGothic Lt BT" panose="020B0607020203060204" pitchFamily="34" charset="0"/>
                 <a:cs typeface="Leelawadee UI Semilight" panose="020B0402040204020203" pitchFamily="34" charset="-34"/>
               </a:endParaRPr>
             </a:p>
@@ -3712,40 +3712,40 @@
             <a:p>
               <a:pPr algn="ctr"/>
               <a:r>
-                <a:rPr lang="de-DE" sz="1400" b="1" dirty="0" err="1" smtClean="0">
+                <a:rPr lang="de-DE" sz="1200" cap="all" dirty="0" err="1" smtClean="0">
                   <a:solidFill>
                     <a:schemeClr val="tx1"/>
                   </a:solidFill>
-                  <a:latin typeface="Candara" panose="020E0502030303020204" pitchFamily="34" charset="0"/>
+                  <a:latin typeface="BankGothic Lt BT" panose="020B0607020203060204" pitchFamily="34" charset="0"/>
                   <a:cs typeface="Leelawadee UI Semilight" panose="020B0402040204020203" pitchFamily="34" charset="-34"/>
                 </a:rPr>
                 <a:t>Shoulder</a:t>
               </a:r>
-              <a:endParaRPr lang="de-DE" sz="1400" b="1" dirty="0" smtClean="0">
+              <a:endParaRPr lang="de-DE" sz="1200" cap="all" dirty="0" smtClean="0">
                 <a:solidFill>
                   <a:schemeClr val="tx1"/>
                 </a:solidFill>
-                <a:latin typeface="Candara" panose="020E0502030303020204" pitchFamily="34" charset="0"/>
+                <a:latin typeface="BankGothic Lt BT" panose="020B0607020203060204" pitchFamily="34" charset="0"/>
                 <a:cs typeface="Leelawadee UI Semilight" panose="020B0402040204020203" pitchFamily="34" charset="-34"/>
               </a:endParaRPr>
             </a:p>
             <a:p>
               <a:pPr algn="ctr"/>
               <a:r>
-                <a:rPr lang="de-DE" sz="1400" b="1" dirty="0" err="1" smtClean="0">
+                <a:rPr lang="de-DE" sz="1200" cap="all" dirty="0" err="1" smtClean="0">
                   <a:solidFill>
                     <a:schemeClr val="tx1"/>
                   </a:solidFill>
-                  <a:latin typeface="Candara" panose="020E0502030303020204" pitchFamily="34" charset="0"/>
+                  <a:latin typeface="BankGothic Lt BT" panose="020B0607020203060204" pitchFamily="34" charset="0"/>
                   <a:cs typeface="Leelawadee UI Semilight" panose="020B0402040204020203" pitchFamily="34" charset="-34"/>
                 </a:rPr>
                 <a:t>actuator</a:t>
               </a:r>
-              <a:endParaRPr lang="de-DE" sz="1400" b="1" dirty="0">
+              <a:endParaRPr lang="de-DE" sz="1200" cap="all" dirty="0">
                 <a:solidFill>
                   <a:schemeClr val="tx1"/>
                 </a:solidFill>
-                <a:latin typeface="Candara" panose="020E0502030303020204" pitchFamily="34" charset="0"/>
+                <a:latin typeface="BankGothic Lt BT" panose="020B0607020203060204" pitchFamily="34" charset="0"/>
                 <a:cs typeface="Leelawadee UI Semilight" panose="020B0402040204020203" pitchFamily="34" charset="-34"/>
               </a:endParaRPr>
             </a:p>
@@ -3798,40 +3798,40 @@
             <a:p>
               <a:pPr algn="ctr"/>
               <a:r>
-                <a:rPr lang="de-DE" sz="1400" b="1" dirty="0" err="1" smtClean="0">
+                <a:rPr lang="de-DE" sz="1200" cap="all" dirty="0" err="1" smtClean="0">
                   <a:solidFill>
                     <a:schemeClr val="tx1"/>
                   </a:solidFill>
-                  <a:latin typeface="Candara" panose="020E0502030303020204" pitchFamily="34" charset="0"/>
+                  <a:latin typeface="BankGothic Lt BT" panose="020B0607020203060204" pitchFamily="34" charset="0"/>
                   <a:cs typeface="Leelawadee UI Semilight" panose="020B0402040204020203" pitchFamily="34" charset="-34"/>
                 </a:rPr>
                 <a:t>Upperarm</a:t>
               </a:r>
-              <a:endParaRPr lang="de-DE" sz="1400" b="1" dirty="0" smtClean="0">
+              <a:endParaRPr lang="de-DE" sz="1200" cap="all" dirty="0" smtClean="0">
                 <a:solidFill>
                   <a:schemeClr val="tx1"/>
                 </a:solidFill>
-                <a:latin typeface="Candara" panose="020E0502030303020204" pitchFamily="34" charset="0"/>
+                <a:latin typeface="BankGothic Lt BT" panose="020B0607020203060204" pitchFamily="34" charset="0"/>
                 <a:cs typeface="Leelawadee UI Semilight" panose="020B0402040204020203" pitchFamily="34" charset="-34"/>
               </a:endParaRPr>
             </a:p>
             <a:p>
               <a:pPr algn="ctr"/>
               <a:r>
-                <a:rPr lang="de-DE" sz="1400" b="1" dirty="0" err="1" smtClean="0">
+                <a:rPr lang="de-DE" sz="1200" cap="all" dirty="0" err="1" smtClean="0">
                   <a:solidFill>
                     <a:schemeClr val="tx1"/>
                   </a:solidFill>
-                  <a:latin typeface="Candara" panose="020E0502030303020204" pitchFamily="34" charset="0"/>
+                  <a:latin typeface="BankGothic Lt BT" panose="020B0607020203060204" pitchFamily="34" charset="0"/>
                   <a:cs typeface="Leelawadee UI Semilight" panose="020B0402040204020203" pitchFamily="34" charset="-34"/>
                 </a:rPr>
                 <a:t>actuator</a:t>
               </a:r>
-              <a:endParaRPr lang="de-DE" sz="1400" b="1" dirty="0" smtClean="0">
+              <a:endParaRPr lang="de-DE" sz="1200" cap="all" dirty="0" smtClean="0">
                 <a:solidFill>
                   <a:schemeClr val="tx1"/>
                 </a:solidFill>
-                <a:latin typeface="Candara" panose="020E0502030303020204" pitchFamily="34" charset="0"/>
+                <a:latin typeface="BankGothic Lt BT" panose="020B0607020203060204" pitchFamily="34" charset="0"/>
                 <a:cs typeface="Leelawadee UI Semilight" panose="020B0402040204020203" pitchFamily="34" charset="-34"/>
               </a:endParaRPr>
             </a:p>
@@ -3884,40 +3884,40 @@
             <a:p>
               <a:pPr algn="ctr"/>
               <a:r>
-                <a:rPr lang="de-DE" sz="1400" b="1" dirty="0" err="1" smtClean="0">
+                <a:rPr lang="de-DE" sz="1200" cap="all" dirty="0" err="1" smtClean="0">
                   <a:solidFill>
                     <a:schemeClr val="tx1"/>
                   </a:solidFill>
-                  <a:latin typeface="Candara" panose="020E0502030303020204" pitchFamily="34" charset="0"/>
+                  <a:latin typeface="BankGothic Lt BT" panose="020B0607020203060204" pitchFamily="34" charset="0"/>
                   <a:cs typeface="Leelawadee UI Semilight" panose="020B0402040204020203" pitchFamily="34" charset="-34"/>
                 </a:rPr>
                 <a:t>Forearm</a:t>
               </a:r>
-              <a:endParaRPr lang="de-DE" sz="1400" b="1" dirty="0" smtClean="0">
+              <a:endParaRPr lang="de-DE" sz="1200" cap="all" dirty="0" smtClean="0">
                 <a:solidFill>
                   <a:schemeClr val="tx1"/>
                 </a:solidFill>
-                <a:latin typeface="Candara" panose="020E0502030303020204" pitchFamily="34" charset="0"/>
+                <a:latin typeface="BankGothic Lt BT" panose="020B0607020203060204" pitchFamily="34" charset="0"/>
                 <a:cs typeface="Leelawadee UI Semilight" panose="020B0402040204020203" pitchFamily="34" charset="-34"/>
               </a:endParaRPr>
             </a:p>
             <a:p>
               <a:pPr algn="ctr"/>
               <a:r>
-                <a:rPr lang="de-DE" sz="1400" b="1" dirty="0" err="1" smtClean="0">
+                <a:rPr lang="de-DE" sz="1200" cap="all" dirty="0" err="1" smtClean="0">
                   <a:solidFill>
                     <a:schemeClr val="tx1"/>
                   </a:solidFill>
-                  <a:latin typeface="Candara" panose="020E0502030303020204" pitchFamily="34" charset="0"/>
+                  <a:latin typeface="BankGothic Lt BT" panose="020B0607020203060204" pitchFamily="34" charset="0"/>
                   <a:cs typeface="Leelawadee UI Semilight" panose="020B0402040204020203" pitchFamily="34" charset="-34"/>
                 </a:rPr>
                 <a:t>actuator</a:t>
               </a:r>
-              <a:endParaRPr lang="de-DE" sz="1400" b="1" dirty="0" smtClean="0">
+              <a:endParaRPr lang="de-DE" sz="1200" cap="all" dirty="0" smtClean="0">
                 <a:solidFill>
                   <a:schemeClr val="tx1"/>
                 </a:solidFill>
-                <a:latin typeface="Candara" panose="020E0502030303020204" pitchFamily="34" charset="0"/>
+                <a:latin typeface="BankGothic Lt BT" panose="020B0607020203060204" pitchFamily="34" charset="0"/>
                 <a:cs typeface="Leelawadee UI Semilight" panose="020B0402040204020203" pitchFamily="34" charset="-34"/>
               </a:endParaRPr>
             </a:p>
@@ -3970,40 +3970,40 @@
             <a:p>
               <a:pPr algn="ctr"/>
               <a:r>
-                <a:rPr lang="de-DE" sz="1400" b="1" dirty="0" err="1" smtClean="0">
+                <a:rPr lang="de-DE" sz="1200" cap="all" dirty="0" err="1" smtClean="0">
                   <a:solidFill>
                     <a:schemeClr val="tx1"/>
                   </a:solidFill>
-                  <a:latin typeface="Candara" panose="020E0502030303020204" pitchFamily="34" charset="0"/>
+                  <a:latin typeface="BankGothic Lt BT" panose="020B0607020203060204" pitchFamily="34" charset="0"/>
                   <a:cs typeface="Leelawadee UI Semilight" panose="020B0402040204020203" pitchFamily="34" charset="-34"/>
                 </a:rPr>
                 <a:t>Ellbow</a:t>
               </a:r>
-              <a:endParaRPr lang="de-DE" sz="1400" b="1" dirty="0" smtClean="0">
+              <a:endParaRPr lang="de-DE" sz="1200" cap="all" dirty="0" smtClean="0">
                 <a:solidFill>
                   <a:schemeClr val="tx1"/>
                 </a:solidFill>
-                <a:latin typeface="Candara" panose="020E0502030303020204" pitchFamily="34" charset="0"/>
+                <a:latin typeface="BankGothic Lt BT" panose="020B0607020203060204" pitchFamily="34" charset="0"/>
                 <a:cs typeface="Leelawadee UI Semilight" panose="020B0402040204020203" pitchFamily="34" charset="-34"/>
               </a:endParaRPr>
             </a:p>
             <a:p>
               <a:pPr algn="ctr"/>
               <a:r>
-                <a:rPr lang="de-DE" sz="1400" b="1" dirty="0" err="1" smtClean="0">
+                <a:rPr lang="de-DE" sz="1200" cap="all" dirty="0" err="1" smtClean="0">
                   <a:solidFill>
                     <a:schemeClr val="tx1"/>
                   </a:solidFill>
-                  <a:latin typeface="Candara" panose="020E0502030303020204" pitchFamily="34" charset="0"/>
+                  <a:latin typeface="BankGothic Lt BT" panose="020B0607020203060204" pitchFamily="34" charset="0"/>
                   <a:cs typeface="Leelawadee UI Semilight" panose="020B0402040204020203" pitchFamily="34" charset="-34"/>
                 </a:rPr>
                 <a:t>actuator</a:t>
               </a:r>
-              <a:endParaRPr lang="de-DE" sz="1400" b="1" dirty="0" smtClean="0">
+              <a:endParaRPr lang="de-DE" sz="1200" cap="all" dirty="0" smtClean="0">
                 <a:solidFill>
                   <a:schemeClr val="tx1"/>
                 </a:solidFill>
-                <a:latin typeface="Candara" panose="020E0502030303020204" pitchFamily="34" charset="0"/>
+                <a:latin typeface="BankGothic Lt BT" panose="020B0607020203060204" pitchFamily="34" charset="0"/>
                 <a:cs typeface="Leelawadee UI Semilight" panose="020B0402040204020203" pitchFamily="34" charset="-34"/>
               </a:endParaRPr>
             </a:p>
@@ -4056,40 +4056,40 @@
             <a:p>
               <a:pPr algn="ctr"/>
               <a:r>
-                <a:rPr lang="de-DE" sz="1400" b="1" dirty="0" err="1" smtClean="0">
+                <a:rPr lang="de-DE" sz="1200" cap="all" dirty="0" err="1" smtClean="0">
                   <a:solidFill>
                     <a:schemeClr val="tx1"/>
                   </a:solidFill>
-                  <a:latin typeface="Candara" panose="020E0502030303020204" pitchFamily="34" charset="0"/>
+                  <a:latin typeface="BankGothic Lt BT" panose="020B0607020203060204" pitchFamily="34" charset="0"/>
                   <a:cs typeface="Leelawadee UI Semilight" panose="020B0402040204020203" pitchFamily="34" charset="-34"/>
                 </a:rPr>
                 <a:t>Wrist</a:t>
               </a:r>
-              <a:endParaRPr lang="de-DE" sz="1400" b="1" dirty="0" smtClean="0">
+              <a:endParaRPr lang="de-DE" sz="1200" cap="all" dirty="0" smtClean="0">
                 <a:solidFill>
                   <a:schemeClr val="tx1"/>
                 </a:solidFill>
-                <a:latin typeface="Candara" panose="020E0502030303020204" pitchFamily="34" charset="0"/>
+                <a:latin typeface="BankGothic Lt BT" panose="020B0607020203060204" pitchFamily="34" charset="0"/>
                 <a:cs typeface="Leelawadee UI Semilight" panose="020B0402040204020203" pitchFamily="34" charset="-34"/>
               </a:endParaRPr>
             </a:p>
             <a:p>
               <a:pPr algn="ctr"/>
               <a:r>
-                <a:rPr lang="de-DE" sz="1400" b="1" dirty="0" err="1" smtClean="0">
+                <a:rPr lang="de-DE" sz="1200" cap="all" dirty="0" err="1" smtClean="0">
                   <a:solidFill>
                     <a:schemeClr val="tx1"/>
                   </a:solidFill>
-                  <a:latin typeface="Candara" panose="020E0502030303020204" pitchFamily="34" charset="0"/>
+                  <a:latin typeface="BankGothic Lt BT" panose="020B0607020203060204" pitchFamily="34" charset="0"/>
                   <a:cs typeface="Leelawadee UI Semilight" panose="020B0402040204020203" pitchFamily="34" charset="-34"/>
                 </a:rPr>
                 <a:t>actuator</a:t>
               </a:r>
-              <a:endParaRPr lang="de-DE" sz="1400" b="1" dirty="0" smtClean="0">
+              <a:endParaRPr lang="de-DE" sz="1200" cap="all" dirty="0" smtClean="0">
                 <a:solidFill>
                   <a:schemeClr val="tx1"/>
                 </a:solidFill>
-                <a:latin typeface="Candara" panose="020E0502030303020204" pitchFamily="34" charset="0"/>
+                <a:latin typeface="BankGothic Lt BT" panose="020B0607020203060204" pitchFamily="34" charset="0"/>
                 <a:cs typeface="Leelawadee UI Semilight" panose="020B0402040204020203" pitchFamily="34" charset="-34"/>
               </a:endParaRPr>
             </a:p>
@@ -4142,11 +4142,11 @@
             <a:p>
               <a:pPr algn="ctr"/>
               <a:r>
-                <a:rPr lang="de-DE" sz="1400" b="1" dirty="0" smtClean="0">
+                <a:rPr lang="de-DE" sz="1200" cap="all" dirty="0" smtClean="0">
                   <a:solidFill>
                     <a:schemeClr val="tx1"/>
                   </a:solidFill>
-                  <a:latin typeface="Candara" panose="020E0502030303020204" pitchFamily="34" charset="0"/>
+                  <a:latin typeface="BankGothic Lt BT" panose="020B0607020203060204" pitchFamily="34" charset="0"/>
                   <a:cs typeface="Leelawadee UI Semilight" panose="020B0402040204020203" pitchFamily="34" charset="-34"/>
                 </a:rPr>
                 <a:t>Hand</a:t>
@@ -4155,20 +4155,20 @@
             <a:p>
               <a:pPr algn="ctr"/>
               <a:r>
-                <a:rPr lang="de-DE" sz="1400" b="1" dirty="0" err="1" smtClean="0">
+                <a:rPr lang="de-DE" sz="1200" cap="all" dirty="0" err="1" smtClean="0">
                   <a:solidFill>
                     <a:schemeClr val="tx1"/>
                   </a:solidFill>
-                  <a:latin typeface="Candara" panose="020E0502030303020204" pitchFamily="34" charset="0"/>
+                  <a:latin typeface="BankGothic Lt BT" panose="020B0607020203060204" pitchFamily="34" charset="0"/>
                   <a:cs typeface="Leelawadee UI Semilight" panose="020B0402040204020203" pitchFamily="34" charset="-34"/>
                 </a:rPr>
                 <a:t>actuator</a:t>
               </a:r>
-              <a:endParaRPr lang="de-DE" sz="1400" b="1" dirty="0">
+              <a:endParaRPr lang="de-DE" sz="1200" cap="all" dirty="0">
                 <a:solidFill>
                   <a:schemeClr val="tx1"/>
                 </a:solidFill>
-                <a:latin typeface="Candara" panose="020E0502030303020204" pitchFamily="34" charset="0"/>
+                <a:latin typeface="BankGothic Lt BT" panose="020B0607020203060204" pitchFamily="34" charset="0"/>
                 <a:cs typeface="Leelawadee UI Semilight" panose="020B0402040204020203" pitchFamily="34" charset="-34"/>
               </a:endParaRPr>
             </a:p>
@@ -4221,11 +4221,11 @@
             <a:p>
               <a:pPr algn="ctr"/>
               <a:r>
-                <a:rPr lang="de-DE" sz="1400" b="1" dirty="0" smtClean="0">
+                <a:rPr lang="de-DE" sz="1200" cap="all" dirty="0" smtClean="0">
                   <a:solidFill>
                     <a:schemeClr val="tx1"/>
                   </a:solidFill>
-                  <a:latin typeface="Candara" panose="020E0502030303020204" pitchFamily="34" charset="0"/>
+                  <a:latin typeface="BankGothic Lt BT" panose="020B0607020203060204" pitchFamily="34" charset="0"/>
                   <a:cs typeface="Leelawadee UI Semilight" panose="020B0402040204020203" pitchFamily="34" charset="-34"/>
                 </a:rPr>
                 <a:t>Finger</a:t>
@@ -4234,20 +4234,20 @@
             <a:p>
               <a:pPr algn="ctr"/>
               <a:r>
-                <a:rPr lang="de-DE" sz="1400" b="1" dirty="0" err="1" smtClean="0">
+                <a:rPr lang="de-DE" sz="1200" cap="all" dirty="0" err="1" smtClean="0">
                   <a:solidFill>
                     <a:schemeClr val="tx1"/>
                   </a:solidFill>
-                  <a:latin typeface="Candara" panose="020E0502030303020204" pitchFamily="34" charset="0"/>
+                  <a:latin typeface="BankGothic Lt BT" panose="020B0607020203060204" pitchFamily="34" charset="0"/>
                   <a:cs typeface="Leelawadee UI Semilight" panose="020B0402040204020203" pitchFamily="34" charset="-34"/>
                 </a:rPr>
                 <a:t>actuator</a:t>
               </a:r>
-              <a:endParaRPr lang="de-DE" sz="1400" b="1" dirty="0">
+              <a:endParaRPr lang="de-DE" sz="1200" cap="all" dirty="0">
                 <a:solidFill>
                   <a:schemeClr val="tx1"/>
                 </a:solidFill>
-                <a:latin typeface="Candara" panose="020E0502030303020204" pitchFamily="34" charset="0"/>
+                <a:latin typeface="BankGothic Lt BT" panose="020B0607020203060204" pitchFamily="34" charset="0"/>
                 <a:cs typeface="Leelawadee UI Semilight" panose="020B0402040204020203" pitchFamily="34" charset="-34"/>
               </a:endParaRPr>
             </a:p>
@@ -4300,30 +4300,30 @@
             <a:p>
               <a:pPr algn="ctr"/>
               <a:r>
-                <a:rPr lang="de-DE" sz="1400" b="1" dirty="0" err="1" smtClean="0">
+                <a:rPr lang="de-DE" sz="1200" cap="all" dirty="0" err="1" smtClean="0">
                   <a:solidFill>
                     <a:schemeClr val="tx1"/>
                   </a:solidFill>
-                  <a:latin typeface="Candara" panose="020E0502030303020204" pitchFamily="34" charset="0"/>
+                  <a:latin typeface="BankGothic Lt BT" panose="020B0607020203060204" pitchFamily="34" charset="0"/>
                   <a:cs typeface="Leelawadee UI Semilight" panose="020B0402040204020203" pitchFamily="34" charset="-34"/>
                 </a:rPr>
                 <a:t>Broken</a:t>
               </a:r>
               <a:r>
-                <a:rPr lang="de-DE" sz="1400" b="1" dirty="0" smtClean="0">
+                <a:rPr lang="de-DE" sz="1200" cap="all" dirty="0" smtClean="0">
                   <a:solidFill>
                     <a:schemeClr val="tx1"/>
                   </a:solidFill>
-                  <a:latin typeface="Candara" panose="020E0502030303020204" pitchFamily="34" charset="0"/>
+                  <a:latin typeface="BankGothic Lt BT" panose="020B0607020203060204" pitchFamily="34" charset="0"/>
                   <a:cs typeface="Leelawadee UI Semilight" panose="020B0402040204020203" pitchFamily="34" charset="-34"/>
                 </a:rPr>
                 <a:t> light</a:t>
               </a:r>
-              <a:endParaRPr lang="de-DE" sz="1400" b="1" dirty="0">
+              <a:endParaRPr lang="de-DE" sz="1200" cap="all" dirty="0">
                 <a:solidFill>
                   <a:schemeClr val="tx1"/>
                 </a:solidFill>
-                <a:latin typeface="Candara" panose="020E0502030303020204" pitchFamily="34" charset="0"/>
+                <a:latin typeface="BankGothic Lt BT" panose="020B0607020203060204" pitchFamily="34" charset="0"/>
                 <a:cs typeface="Leelawadee UI Semilight" panose="020B0402040204020203" pitchFamily="34" charset="-34"/>
               </a:endParaRPr>
             </a:p>

--- a/cad/Walter-Lettering.pptx
+++ b/cad/Walter-Lettering.pptx
@@ -243,7 +243,7 @@
           <a:p>
             <a:fld id="{BD70DBB8-8826-40D8-8146-11A515A3C116}" type="datetimeFigureOut">
               <a:rPr lang="de-DE" smtClean="0"/>
-              <a:t>08.12.2016</a:t>
+              <a:t>13.12.2016</a:t>
             </a:fld>
             <a:endParaRPr lang="de-DE"/>
           </a:p>
@@ -413,7 +413,7 @@
           <a:p>
             <a:fld id="{BD70DBB8-8826-40D8-8146-11A515A3C116}" type="datetimeFigureOut">
               <a:rPr lang="de-DE" smtClean="0"/>
-              <a:t>08.12.2016</a:t>
+              <a:t>13.12.2016</a:t>
             </a:fld>
             <a:endParaRPr lang="de-DE"/>
           </a:p>
@@ -593,7 +593,7 @@
           <a:p>
             <a:fld id="{BD70DBB8-8826-40D8-8146-11A515A3C116}" type="datetimeFigureOut">
               <a:rPr lang="de-DE" smtClean="0"/>
-              <a:t>08.12.2016</a:t>
+              <a:t>13.12.2016</a:t>
             </a:fld>
             <a:endParaRPr lang="de-DE"/>
           </a:p>
@@ -763,7 +763,7 @@
           <a:p>
             <a:fld id="{BD70DBB8-8826-40D8-8146-11A515A3C116}" type="datetimeFigureOut">
               <a:rPr lang="de-DE" smtClean="0"/>
-              <a:t>08.12.2016</a:t>
+              <a:t>13.12.2016</a:t>
             </a:fld>
             <a:endParaRPr lang="de-DE"/>
           </a:p>
@@ -1007,7 +1007,7 @@
           <a:p>
             <a:fld id="{BD70DBB8-8826-40D8-8146-11A515A3C116}" type="datetimeFigureOut">
               <a:rPr lang="de-DE" smtClean="0"/>
-              <a:t>08.12.2016</a:t>
+              <a:t>13.12.2016</a:t>
             </a:fld>
             <a:endParaRPr lang="de-DE"/>
           </a:p>
@@ -1239,7 +1239,7 @@
           <a:p>
             <a:fld id="{BD70DBB8-8826-40D8-8146-11A515A3C116}" type="datetimeFigureOut">
               <a:rPr lang="de-DE" smtClean="0"/>
-              <a:t>08.12.2016</a:t>
+              <a:t>13.12.2016</a:t>
             </a:fld>
             <a:endParaRPr lang="de-DE"/>
           </a:p>
@@ -1606,7 +1606,7 @@
           <a:p>
             <a:fld id="{BD70DBB8-8826-40D8-8146-11A515A3C116}" type="datetimeFigureOut">
               <a:rPr lang="de-DE" smtClean="0"/>
-              <a:t>08.12.2016</a:t>
+              <a:t>13.12.2016</a:t>
             </a:fld>
             <a:endParaRPr lang="de-DE"/>
           </a:p>
@@ -1724,7 +1724,7 @@
           <a:p>
             <a:fld id="{BD70DBB8-8826-40D8-8146-11A515A3C116}" type="datetimeFigureOut">
               <a:rPr lang="de-DE" smtClean="0"/>
-              <a:t>08.12.2016</a:t>
+              <a:t>13.12.2016</a:t>
             </a:fld>
             <a:endParaRPr lang="de-DE"/>
           </a:p>
@@ -1819,7 +1819,7 @@
           <a:p>
             <a:fld id="{BD70DBB8-8826-40D8-8146-11A515A3C116}" type="datetimeFigureOut">
               <a:rPr lang="de-DE" smtClean="0"/>
-              <a:t>08.12.2016</a:t>
+              <a:t>13.12.2016</a:t>
             </a:fld>
             <a:endParaRPr lang="de-DE"/>
           </a:p>
@@ -2096,7 +2096,7 @@
           <a:p>
             <a:fld id="{BD70DBB8-8826-40D8-8146-11A515A3C116}" type="datetimeFigureOut">
               <a:rPr lang="de-DE" smtClean="0"/>
-              <a:t>08.12.2016</a:t>
+              <a:t>13.12.2016</a:t>
             </a:fld>
             <a:endParaRPr lang="de-DE"/>
           </a:p>
@@ -2353,7 +2353,7 @@
           <a:p>
             <a:fld id="{BD70DBB8-8826-40D8-8146-11A515A3C116}" type="datetimeFigureOut">
               <a:rPr lang="de-DE" smtClean="0"/>
-              <a:t>08.12.2016</a:t>
+              <a:t>13.12.2016</a:t>
             </a:fld>
             <a:endParaRPr lang="de-DE"/>
           </a:p>
@@ -2566,7 +2566,7 @@
           <a:p>
             <a:fld id="{BD70DBB8-8826-40D8-8146-11A515A3C116}" type="datetimeFigureOut">
               <a:rPr lang="de-DE" smtClean="0"/>
-              <a:t>08.12.2016</a:t>
+              <a:t>13.12.2016</a:t>
             </a:fld>
             <a:endParaRPr lang="de-DE"/>
           </a:p>
@@ -3024,7 +3024,7 @@
           <a:lstStyle/>
           <a:p>
             <a:pPr algn="ctr"/>
-            <a:endParaRPr lang="de-DE" sz="1400" spc="100">
+            <a:endParaRPr lang="en-GB" sz="1400" b="1" spc="100" dirty="0">
               <a:solidFill>
                 <a:schemeClr val="tx1"/>
               </a:solidFill>
@@ -3095,7 +3095,7 @@
             <a:p>
               <a:pPr algn="ctr"/>
               <a:r>
-                <a:rPr lang="de-DE" sz="1200" cap="all" dirty="0" err="1" smtClean="0">
+                <a:rPr lang="en-GB" sz="1200" b="1" cap="all" dirty="0" smtClean="0">
                   <a:solidFill>
                     <a:schemeClr val="tx1"/>
                   </a:solidFill>
@@ -3104,7 +3104,7 @@
                 </a:rPr>
                 <a:t>Heartbeat</a:t>
               </a:r>
-              <a:endParaRPr lang="de-DE" sz="1200" cap="all" dirty="0">
+              <a:endParaRPr lang="en-GB" sz="1200" b="1" cap="all" dirty="0">
                 <a:solidFill>
                   <a:schemeClr val="tx1"/>
                 </a:solidFill>
@@ -3161,7 +3161,7 @@
             <a:p>
               <a:pPr algn="ctr"/>
               <a:r>
-                <a:rPr lang="de-DE" sz="1200" cap="all" dirty="0" smtClean="0">
+                <a:rPr lang="en-GB" sz="1200" b="1" cap="all" dirty="0" smtClean="0">
                   <a:solidFill>
                     <a:schemeClr val="tx1"/>
                   </a:solidFill>
@@ -3170,7 +3170,7 @@
                 </a:rPr>
                 <a:t>Setup</a:t>
               </a:r>
-              <a:endParaRPr lang="de-DE" sz="1200" cap="all" dirty="0" smtClean="0">
+              <a:endParaRPr lang="en-GB" sz="1200" b="1" cap="all" dirty="0" smtClean="0">
                 <a:solidFill>
                   <a:schemeClr val="tx1"/>
                 </a:solidFill>
@@ -3227,7 +3227,7 @@
             <a:p>
               <a:pPr algn="ctr"/>
               <a:r>
-                <a:rPr lang="de-DE" sz="1200" cap="all" dirty="0" smtClean="0">
+                <a:rPr lang="en-GB" sz="1200" b="1" cap="all" dirty="0" smtClean="0">
                   <a:solidFill>
                     <a:schemeClr val="tx1"/>
                   </a:solidFill>
@@ -3240,7 +3240,7 @@
             <a:p>
               <a:pPr algn="ctr"/>
               <a:r>
-                <a:rPr lang="de-DE" sz="1200" cap="all" dirty="0" smtClean="0">
+                <a:rPr lang="en-GB" sz="1200" b="1" cap="all" dirty="0" smtClean="0">
                   <a:solidFill>
                     <a:schemeClr val="tx1"/>
                   </a:solidFill>
@@ -3249,7 +3249,7 @@
                 </a:rPr>
                 <a:t>On</a:t>
               </a:r>
-              <a:endParaRPr lang="de-DE" sz="1200" cap="all" dirty="0" smtClean="0">
+              <a:endParaRPr lang="en-GB" sz="1200" b="1" cap="all" dirty="0" smtClean="0">
                 <a:solidFill>
                   <a:schemeClr val="tx1"/>
                 </a:solidFill>
@@ -3306,26 +3306,16 @@
             <a:p>
               <a:pPr algn="ctr"/>
               <a:r>
-                <a:rPr lang="de-DE" sz="1200" cap="all" dirty="0" smtClean="0">
+                <a:rPr lang="en-GB" sz="1200" b="1" cap="all" dirty="0" smtClean="0">
                   <a:solidFill>
                     <a:schemeClr val="tx1"/>
                   </a:solidFill>
                   <a:latin typeface="BankGothic Lt BT" panose="020B0607020203060204" pitchFamily="34" charset="0"/>
                   <a:cs typeface="Leelawadee UI Semilight" panose="020B0402040204020203" pitchFamily="34" charset="-34"/>
                 </a:rPr>
-                <a:t>Enable</a:t>
+                <a:t>Enabled</a:t>
               </a:r>
-              <a:r>
-                <a:rPr lang="de-DE" sz="1200" cap="all" dirty="0">
-                  <a:solidFill>
-                    <a:schemeClr val="tx1"/>
-                  </a:solidFill>
-                  <a:latin typeface="BankGothic Lt BT" panose="020B0607020203060204" pitchFamily="34" charset="0"/>
-                  <a:cs typeface="Leelawadee UI Semilight" panose="020B0402040204020203" pitchFamily="34" charset="-34"/>
-                </a:rPr>
-                <a:t>d</a:t>
-              </a:r>
-              <a:endParaRPr lang="de-DE" sz="1200" cap="all" dirty="0" smtClean="0">
+              <a:endParaRPr lang="en-GB" sz="1200" b="1" cap="all" dirty="0" smtClean="0">
                 <a:solidFill>
                   <a:schemeClr val="tx1"/>
                 </a:solidFill>
@@ -3382,7 +3372,7 @@
             <a:p>
               <a:pPr algn="ctr"/>
               <a:r>
-                <a:rPr lang="de-DE" sz="1200" cap="all" dirty="0" err="1" smtClean="0">
+                <a:rPr lang="en-GB" sz="1200" b="1" cap="all" dirty="0" smtClean="0">
                   <a:solidFill>
                     <a:schemeClr val="tx1"/>
                   </a:solidFill>
@@ -3391,27 +3381,20 @@
                 </a:rPr>
                 <a:t>Trajectory</a:t>
               </a:r>
-              <a:endParaRPr lang="de-DE" sz="1200" cap="all" dirty="0" smtClean="0">
-                <a:solidFill>
-                  <a:schemeClr val="tx1"/>
-                </a:solidFill>
-                <a:latin typeface="BankGothic Lt BT" panose="020B0607020203060204" pitchFamily="34" charset="0"/>
-                <a:cs typeface="Leelawadee UI Semilight" panose="020B0402040204020203" pitchFamily="34" charset="-34"/>
-              </a:endParaRPr>
             </a:p>
             <a:p>
               <a:pPr algn="ctr"/>
               <a:r>
-                <a:rPr lang="de-DE" sz="1200" cap="all" dirty="0" err="1" smtClean="0">
+                <a:rPr lang="en-GB" sz="1200" b="1" cap="all" dirty="0" smtClean="0">
                   <a:solidFill>
                     <a:schemeClr val="tx1"/>
                   </a:solidFill>
                   <a:latin typeface="BankGothic Lt BT" panose="020B0607020203060204" pitchFamily="34" charset="0"/>
                   <a:cs typeface="Leelawadee UI Semilight" panose="020B0402040204020203" pitchFamily="34" charset="-34"/>
                 </a:rPr>
-                <a:t>control</a:t>
+                <a:t>MODE</a:t>
               </a:r>
-              <a:endParaRPr lang="de-DE" sz="1200" cap="all" dirty="0" smtClean="0">
+              <a:endParaRPr lang="en-GB" sz="1200" b="1" cap="all" dirty="0" smtClean="0">
                 <a:solidFill>
                   <a:schemeClr val="tx1"/>
                 </a:solidFill>
@@ -3468,7 +3451,7 @@
             <a:p>
               <a:pPr algn="ctr"/>
               <a:r>
-                <a:rPr lang="de-DE" sz="1200" cap="all" dirty="0" smtClean="0">
+                <a:rPr lang="en-GB" sz="1200" b="1" cap="all" dirty="0" smtClean="0">
                   <a:solidFill>
                     <a:schemeClr val="tx1"/>
                   </a:solidFill>
@@ -3481,7 +3464,7 @@
             <a:p>
               <a:pPr algn="ctr"/>
               <a:r>
-                <a:rPr lang="de-DE" sz="1200" cap="all" dirty="0" smtClean="0">
+                <a:rPr lang="en-GB" sz="1200" b="1" cap="all" dirty="0" smtClean="0">
                   <a:solidFill>
                     <a:schemeClr val="tx1"/>
                   </a:solidFill>
@@ -3490,7 +3473,7 @@
                 </a:rPr>
                 <a:t>sample</a:t>
               </a:r>
-              <a:endParaRPr lang="de-DE" sz="1200" cap="all" dirty="0">
+              <a:endParaRPr lang="en-GB" sz="1200" b="1" cap="all" dirty="0">
                 <a:solidFill>
                   <a:schemeClr val="tx1"/>
                 </a:solidFill>
@@ -3547,36 +3530,29 @@
             <a:p>
               <a:pPr algn="ctr"/>
               <a:r>
-                <a:rPr lang="de-DE" sz="1200" cap="all" dirty="0" err="1" smtClean="0">
+                <a:rPr lang="en-GB" sz="1200" b="1" cap="all" dirty="0" smtClean="0">
                   <a:solidFill>
                     <a:schemeClr val="tx1"/>
                   </a:solidFill>
                   <a:latin typeface="BankGothic Lt BT" panose="020B0607020203060204" pitchFamily="34" charset="0"/>
                   <a:cs typeface="Leelawadee UI Semilight" panose="020B0402040204020203" pitchFamily="34" charset="-34"/>
                 </a:rPr>
-                <a:t>Knob</a:t>
+                <a:t>Control</a:t>
               </a:r>
-              <a:endParaRPr lang="de-DE" sz="1200" cap="all" dirty="0">
-                <a:solidFill>
-                  <a:schemeClr val="tx1"/>
-                </a:solidFill>
-                <a:latin typeface="BankGothic Lt BT" panose="020B0607020203060204" pitchFamily="34" charset="0"/>
-                <a:cs typeface="Leelawadee UI Semilight" panose="020B0402040204020203" pitchFamily="34" charset="-34"/>
-              </a:endParaRPr>
             </a:p>
             <a:p>
               <a:pPr algn="ctr"/>
               <a:r>
-                <a:rPr lang="de-DE" sz="1200" cap="all" dirty="0" err="1" smtClean="0">
+                <a:rPr lang="en-GB" sz="1200" b="1" cap="all" dirty="0" smtClean="0">
                   <a:solidFill>
                     <a:schemeClr val="tx1"/>
                   </a:solidFill>
                   <a:latin typeface="BankGothic Lt BT" panose="020B0607020203060204" pitchFamily="34" charset="0"/>
                   <a:cs typeface="Leelawadee UI Semilight" panose="020B0402040204020203" pitchFamily="34" charset="-34"/>
                 </a:rPr>
-                <a:t>control</a:t>
+                <a:t>MODE</a:t>
               </a:r>
-              <a:endParaRPr lang="de-DE" sz="1200" cap="all" dirty="0">
+              <a:endParaRPr lang="en-GB" sz="1200" b="1" cap="all" dirty="0">
                 <a:solidFill>
                   <a:schemeClr val="tx1"/>
                 </a:solidFill>
@@ -3633,29 +3609,29 @@
             <a:p>
               <a:pPr algn="ctr"/>
               <a:r>
-                <a:rPr lang="de-DE" sz="1200" cap="all" dirty="0" smtClean="0">
+                <a:rPr lang="en-GB" sz="1200" b="1" cap="all" dirty="0" smtClean="0">
                   <a:solidFill>
                     <a:schemeClr val="tx1"/>
                   </a:solidFill>
                   <a:latin typeface="BankGothic Lt BT" panose="020B0607020203060204" pitchFamily="34" charset="0"/>
                   <a:cs typeface="Leelawadee UI Semilight" panose="020B0402040204020203" pitchFamily="34" charset="-34"/>
                 </a:rPr>
-                <a:t>User</a:t>
+                <a:t>AMOK </a:t>
               </a:r>
             </a:p>
             <a:p>
               <a:pPr algn="ctr"/>
               <a:r>
-                <a:rPr lang="de-DE" sz="1200" cap="all" dirty="0" err="1" smtClean="0">
+                <a:rPr lang="en-GB" sz="1200" b="1" cap="all" dirty="0" smtClean="0">
                   <a:solidFill>
                     <a:schemeClr val="tx1"/>
                   </a:solidFill>
                   <a:latin typeface="BankGothic Lt BT" panose="020B0607020203060204" pitchFamily="34" charset="0"/>
                   <a:cs typeface="Leelawadee UI Semilight" panose="020B0402040204020203" pitchFamily="34" charset="-34"/>
                 </a:rPr>
-                <a:t>control</a:t>
+                <a:t>Mode</a:t>
               </a:r>
-              <a:endParaRPr lang="de-DE" sz="1200" cap="all" dirty="0">
+              <a:endParaRPr lang="en-GB" sz="1200" b="1" cap="all" dirty="0">
                 <a:solidFill>
                   <a:schemeClr val="tx1"/>
                 </a:solidFill>
@@ -3712,7 +3688,7 @@
             <a:p>
               <a:pPr algn="ctr"/>
               <a:r>
-                <a:rPr lang="de-DE" sz="1200" cap="all" dirty="0" err="1" smtClean="0">
+                <a:rPr lang="en-GB" sz="1200" b="1" cap="all" dirty="0" smtClean="0">
                   <a:solidFill>
                     <a:schemeClr val="tx1"/>
                   </a:solidFill>
@@ -3721,27 +3697,7 @@
                 </a:rPr>
                 <a:t>Shoulder</a:t>
               </a:r>
-              <a:endParaRPr lang="de-DE" sz="1200" cap="all" dirty="0" smtClean="0">
-                <a:solidFill>
-                  <a:schemeClr val="tx1"/>
-                </a:solidFill>
-                <a:latin typeface="BankGothic Lt BT" panose="020B0607020203060204" pitchFamily="34" charset="0"/>
-                <a:cs typeface="Leelawadee UI Semilight" panose="020B0402040204020203" pitchFamily="34" charset="-34"/>
-              </a:endParaRPr>
-            </a:p>
-            <a:p>
-              <a:pPr algn="ctr"/>
-              <a:r>
-                <a:rPr lang="de-DE" sz="1200" cap="all" dirty="0" err="1" smtClean="0">
-                  <a:solidFill>
-                    <a:schemeClr val="tx1"/>
-                  </a:solidFill>
-                  <a:latin typeface="BankGothic Lt BT" panose="020B0607020203060204" pitchFamily="34" charset="0"/>
-                  <a:cs typeface="Leelawadee UI Semilight" panose="020B0402040204020203" pitchFamily="34" charset="-34"/>
-                </a:rPr>
-                <a:t>actuator</a:t>
-              </a:r>
-              <a:endParaRPr lang="de-DE" sz="1200" cap="all" dirty="0">
+              <a:endParaRPr lang="en-GB" sz="1200" b="1" cap="all" dirty="0" smtClean="0">
                 <a:solidFill>
                   <a:schemeClr val="tx1"/>
                 </a:solidFill>
@@ -3798,36 +3754,16 @@
             <a:p>
               <a:pPr algn="ctr"/>
               <a:r>
-                <a:rPr lang="de-DE" sz="1200" cap="all" dirty="0" err="1" smtClean="0">
+                <a:rPr lang="en-GB" sz="1200" b="1" cap="all" dirty="0" smtClean="0">
                   <a:solidFill>
                     <a:schemeClr val="tx1"/>
                   </a:solidFill>
                   <a:latin typeface="BankGothic Lt BT" panose="020B0607020203060204" pitchFamily="34" charset="0"/>
                   <a:cs typeface="Leelawadee UI Semilight" panose="020B0402040204020203" pitchFamily="34" charset="-34"/>
                 </a:rPr>
-                <a:t>Upperarm</a:t>
+                <a:t>Upper arm</a:t>
               </a:r>
-              <a:endParaRPr lang="de-DE" sz="1200" cap="all" dirty="0" smtClean="0">
-                <a:solidFill>
-                  <a:schemeClr val="tx1"/>
-                </a:solidFill>
-                <a:latin typeface="BankGothic Lt BT" panose="020B0607020203060204" pitchFamily="34" charset="0"/>
-                <a:cs typeface="Leelawadee UI Semilight" panose="020B0402040204020203" pitchFamily="34" charset="-34"/>
-              </a:endParaRPr>
-            </a:p>
-            <a:p>
-              <a:pPr algn="ctr"/>
-              <a:r>
-                <a:rPr lang="de-DE" sz="1200" cap="all" dirty="0" err="1" smtClean="0">
-                  <a:solidFill>
-                    <a:schemeClr val="tx1"/>
-                  </a:solidFill>
-                  <a:latin typeface="BankGothic Lt BT" panose="020B0607020203060204" pitchFamily="34" charset="0"/>
-                  <a:cs typeface="Leelawadee UI Semilight" panose="020B0402040204020203" pitchFamily="34" charset="-34"/>
-                </a:rPr>
-                <a:t>actuator</a:t>
-              </a:r>
-              <a:endParaRPr lang="de-DE" sz="1200" cap="all" dirty="0" smtClean="0">
+              <a:endParaRPr lang="en-GB" sz="1200" b="1" cap="all" dirty="0" smtClean="0">
                 <a:solidFill>
                   <a:schemeClr val="tx1"/>
                 </a:solidFill>
@@ -3884,7 +3820,7 @@
             <a:p>
               <a:pPr algn="ctr"/>
               <a:r>
-                <a:rPr lang="de-DE" sz="1200" cap="all" dirty="0" err="1" smtClean="0">
+                <a:rPr lang="en-GB" sz="1200" b="1" cap="all" dirty="0" smtClean="0">
                   <a:solidFill>
                     <a:schemeClr val="tx1"/>
                   </a:solidFill>
@@ -3893,27 +3829,7 @@
                 </a:rPr>
                 <a:t>Forearm</a:t>
               </a:r>
-              <a:endParaRPr lang="de-DE" sz="1200" cap="all" dirty="0" smtClean="0">
-                <a:solidFill>
-                  <a:schemeClr val="tx1"/>
-                </a:solidFill>
-                <a:latin typeface="BankGothic Lt BT" panose="020B0607020203060204" pitchFamily="34" charset="0"/>
-                <a:cs typeface="Leelawadee UI Semilight" panose="020B0402040204020203" pitchFamily="34" charset="-34"/>
-              </a:endParaRPr>
-            </a:p>
-            <a:p>
-              <a:pPr algn="ctr"/>
-              <a:r>
-                <a:rPr lang="de-DE" sz="1200" cap="all" dirty="0" err="1" smtClean="0">
-                  <a:solidFill>
-                    <a:schemeClr val="tx1"/>
-                  </a:solidFill>
-                  <a:latin typeface="BankGothic Lt BT" panose="020B0607020203060204" pitchFamily="34" charset="0"/>
-                  <a:cs typeface="Leelawadee UI Semilight" panose="020B0402040204020203" pitchFamily="34" charset="-34"/>
-                </a:rPr>
-                <a:t>actuator</a:t>
-              </a:r>
-              <a:endParaRPr lang="de-DE" sz="1200" cap="all" dirty="0" smtClean="0">
+              <a:endParaRPr lang="en-GB" sz="1200" b="1" cap="all" dirty="0" smtClean="0">
                 <a:solidFill>
                   <a:schemeClr val="tx1"/>
                 </a:solidFill>
@@ -3970,36 +3886,16 @@
             <a:p>
               <a:pPr algn="ctr"/>
               <a:r>
-                <a:rPr lang="de-DE" sz="1200" cap="all" dirty="0" err="1" smtClean="0">
+                <a:rPr lang="en-GB" sz="1200" b="1" cap="all" dirty="0" smtClean="0">
                   <a:solidFill>
                     <a:schemeClr val="tx1"/>
                   </a:solidFill>
                   <a:latin typeface="BankGothic Lt BT" panose="020B0607020203060204" pitchFamily="34" charset="0"/>
                   <a:cs typeface="Leelawadee UI Semilight" panose="020B0402040204020203" pitchFamily="34" charset="-34"/>
                 </a:rPr>
-                <a:t>Ellbow</a:t>
+                <a:t>Elbow</a:t>
               </a:r>
-              <a:endParaRPr lang="de-DE" sz="1200" cap="all" dirty="0" smtClean="0">
-                <a:solidFill>
-                  <a:schemeClr val="tx1"/>
-                </a:solidFill>
-                <a:latin typeface="BankGothic Lt BT" panose="020B0607020203060204" pitchFamily="34" charset="0"/>
-                <a:cs typeface="Leelawadee UI Semilight" panose="020B0402040204020203" pitchFamily="34" charset="-34"/>
-              </a:endParaRPr>
-            </a:p>
-            <a:p>
-              <a:pPr algn="ctr"/>
-              <a:r>
-                <a:rPr lang="de-DE" sz="1200" cap="all" dirty="0" err="1" smtClean="0">
-                  <a:solidFill>
-                    <a:schemeClr val="tx1"/>
-                  </a:solidFill>
-                  <a:latin typeface="BankGothic Lt BT" panose="020B0607020203060204" pitchFamily="34" charset="0"/>
-                  <a:cs typeface="Leelawadee UI Semilight" panose="020B0402040204020203" pitchFamily="34" charset="-34"/>
-                </a:rPr>
-                <a:t>actuator</a:t>
-              </a:r>
-              <a:endParaRPr lang="de-DE" sz="1200" cap="all" dirty="0" smtClean="0">
+              <a:endParaRPr lang="en-GB" sz="1200" b="1" cap="all" dirty="0" smtClean="0">
                 <a:solidFill>
                   <a:schemeClr val="tx1"/>
                 </a:solidFill>
@@ -4056,7 +3952,7 @@
             <a:p>
               <a:pPr algn="ctr"/>
               <a:r>
-                <a:rPr lang="de-DE" sz="1200" cap="all" dirty="0" err="1" smtClean="0">
+                <a:rPr lang="en-GB" sz="1200" b="1" cap="all" dirty="0" smtClean="0">
                   <a:solidFill>
                     <a:schemeClr val="tx1"/>
                   </a:solidFill>
@@ -4065,27 +3961,7 @@
                 </a:rPr>
                 <a:t>Wrist</a:t>
               </a:r>
-              <a:endParaRPr lang="de-DE" sz="1200" cap="all" dirty="0" smtClean="0">
-                <a:solidFill>
-                  <a:schemeClr val="tx1"/>
-                </a:solidFill>
-                <a:latin typeface="BankGothic Lt BT" panose="020B0607020203060204" pitchFamily="34" charset="0"/>
-                <a:cs typeface="Leelawadee UI Semilight" panose="020B0402040204020203" pitchFamily="34" charset="-34"/>
-              </a:endParaRPr>
-            </a:p>
-            <a:p>
-              <a:pPr algn="ctr"/>
-              <a:r>
-                <a:rPr lang="de-DE" sz="1200" cap="all" dirty="0" err="1" smtClean="0">
-                  <a:solidFill>
-                    <a:schemeClr val="tx1"/>
-                  </a:solidFill>
-                  <a:latin typeface="BankGothic Lt BT" panose="020B0607020203060204" pitchFamily="34" charset="0"/>
-                  <a:cs typeface="Leelawadee UI Semilight" panose="020B0402040204020203" pitchFamily="34" charset="-34"/>
-                </a:rPr>
-                <a:t>actuator</a:t>
-              </a:r>
-              <a:endParaRPr lang="de-DE" sz="1200" cap="all" dirty="0" smtClean="0">
+              <a:endParaRPr lang="en-GB" sz="1200" b="1" cap="all" dirty="0" smtClean="0">
                 <a:solidFill>
                   <a:schemeClr val="tx1"/>
                 </a:solidFill>
@@ -4142,7 +4018,7 @@
             <a:p>
               <a:pPr algn="ctr"/>
               <a:r>
-                <a:rPr lang="de-DE" sz="1200" cap="all" dirty="0" smtClean="0">
+                <a:rPr lang="en-GB" sz="1200" b="1" cap="all" dirty="0" smtClean="0">
                   <a:solidFill>
                     <a:schemeClr val="tx1"/>
                   </a:solidFill>
@@ -4151,20 +4027,7 @@
                 </a:rPr>
                 <a:t>Hand</a:t>
               </a:r>
-            </a:p>
-            <a:p>
-              <a:pPr algn="ctr"/>
-              <a:r>
-                <a:rPr lang="de-DE" sz="1200" cap="all" dirty="0" err="1" smtClean="0">
-                  <a:solidFill>
-                    <a:schemeClr val="tx1"/>
-                  </a:solidFill>
-                  <a:latin typeface="BankGothic Lt BT" panose="020B0607020203060204" pitchFamily="34" charset="0"/>
-                  <a:cs typeface="Leelawadee UI Semilight" panose="020B0402040204020203" pitchFamily="34" charset="-34"/>
-                </a:rPr>
-                <a:t>actuator</a:t>
-              </a:r>
-              <a:endParaRPr lang="de-DE" sz="1200" cap="all" dirty="0">
+              <a:endParaRPr lang="en-GB" sz="1200" b="1" cap="all" dirty="0" smtClean="0">
                 <a:solidFill>
                   <a:schemeClr val="tx1"/>
                 </a:solidFill>
@@ -4221,7 +4084,7 @@
             <a:p>
               <a:pPr algn="ctr"/>
               <a:r>
-                <a:rPr lang="de-DE" sz="1200" cap="all" dirty="0" smtClean="0">
+                <a:rPr lang="en-GB" sz="1200" b="1" cap="all" dirty="0" smtClean="0">
                   <a:solidFill>
                     <a:schemeClr val="tx1"/>
                   </a:solidFill>
@@ -4230,20 +4093,7 @@
                 </a:rPr>
                 <a:t>Finger</a:t>
               </a:r>
-            </a:p>
-            <a:p>
-              <a:pPr algn="ctr"/>
-              <a:r>
-                <a:rPr lang="de-DE" sz="1200" cap="all" dirty="0" err="1" smtClean="0">
-                  <a:solidFill>
-                    <a:schemeClr val="tx1"/>
-                  </a:solidFill>
-                  <a:latin typeface="BankGothic Lt BT" panose="020B0607020203060204" pitchFamily="34" charset="0"/>
-                  <a:cs typeface="Leelawadee UI Semilight" panose="020B0402040204020203" pitchFamily="34" charset="-34"/>
-                </a:rPr>
-                <a:t>actuator</a:t>
-              </a:r>
-              <a:endParaRPr lang="de-DE" sz="1200" cap="all" dirty="0">
+              <a:endParaRPr lang="en-GB" sz="1200" b="1" cap="all" dirty="0" smtClean="0">
                 <a:solidFill>
                   <a:schemeClr val="tx1"/>
                 </a:solidFill>
@@ -4300,26 +4150,16 @@
             <a:p>
               <a:pPr algn="ctr"/>
               <a:r>
-                <a:rPr lang="de-DE" sz="1200" cap="all" dirty="0" err="1" smtClean="0">
+                <a:rPr lang="en-GB" sz="1200" b="1" cap="all" dirty="0" smtClean="0">
                   <a:solidFill>
                     <a:schemeClr val="tx1"/>
                   </a:solidFill>
                   <a:latin typeface="BankGothic Lt BT" panose="020B0607020203060204" pitchFamily="34" charset="0"/>
                   <a:cs typeface="Leelawadee UI Semilight" panose="020B0402040204020203" pitchFamily="34" charset="-34"/>
                 </a:rPr>
-                <a:t>Broken</a:t>
+                <a:t>Broken light</a:t>
               </a:r>
-              <a:r>
-                <a:rPr lang="de-DE" sz="1200" cap="all" dirty="0" smtClean="0">
-                  <a:solidFill>
-                    <a:schemeClr val="tx1"/>
-                  </a:solidFill>
-                  <a:latin typeface="BankGothic Lt BT" panose="020B0607020203060204" pitchFamily="34" charset="0"/>
-                  <a:cs typeface="Leelawadee UI Semilight" panose="020B0402040204020203" pitchFamily="34" charset="-34"/>
-                </a:rPr>
-                <a:t> light</a:t>
-              </a:r>
-              <a:endParaRPr lang="de-DE" sz="1200" cap="all" dirty="0">
+              <a:endParaRPr lang="en-GB" sz="1200" b="1" cap="all" dirty="0">
                 <a:solidFill>
                   <a:schemeClr val="tx1"/>
                 </a:solidFill>

--- a/cad/Walter-Lettering.pptx
+++ b/cad/Walter-Lettering.pptx
@@ -8,7 +8,7 @@
     <p:sldId id="256" r:id="rId2"/>
   </p:sldIdLst>
   <p:sldSz cx="9601200" cy="12801600" type="A3"/>
-  <p:notesSz cx="6858000" cy="9144000"/>
+  <p:notesSz cx="6669088" cy="9926638"/>
   <p:defaultTextStyle>
     <a:defPPr>
       <a:defRPr lang="de-DE"/>
@@ -243,7 +243,7 @@
           <a:p>
             <a:fld id="{BD70DBB8-8826-40D8-8146-11A515A3C116}" type="datetimeFigureOut">
               <a:rPr lang="de-DE" smtClean="0"/>
-              <a:t>13.12.2016</a:t>
+              <a:t>24.12.2016</a:t>
             </a:fld>
             <a:endParaRPr lang="de-DE"/>
           </a:p>
@@ -413,7 +413,7 @@
           <a:p>
             <a:fld id="{BD70DBB8-8826-40D8-8146-11A515A3C116}" type="datetimeFigureOut">
               <a:rPr lang="de-DE" smtClean="0"/>
-              <a:t>13.12.2016</a:t>
+              <a:t>24.12.2016</a:t>
             </a:fld>
             <a:endParaRPr lang="de-DE"/>
           </a:p>
@@ -593,7 +593,7 @@
           <a:p>
             <a:fld id="{BD70DBB8-8826-40D8-8146-11A515A3C116}" type="datetimeFigureOut">
               <a:rPr lang="de-DE" smtClean="0"/>
-              <a:t>13.12.2016</a:t>
+              <a:t>24.12.2016</a:t>
             </a:fld>
             <a:endParaRPr lang="de-DE"/>
           </a:p>
@@ -763,7 +763,7 @@
           <a:p>
             <a:fld id="{BD70DBB8-8826-40D8-8146-11A515A3C116}" type="datetimeFigureOut">
               <a:rPr lang="de-DE" smtClean="0"/>
-              <a:t>13.12.2016</a:t>
+              <a:t>24.12.2016</a:t>
             </a:fld>
             <a:endParaRPr lang="de-DE"/>
           </a:p>
@@ -1007,7 +1007,7 @@
           <a:p>
             <a:fld id="{BD70DBB8-8826-40D8-8146-11A515A3C116}" type="datetimeFigureOut">
               <a:rPr lang="de-DE" smtClean="0"/>
-              <a:t>13.12.2016</a:t>
+              <a:t>24.12.2016</a:t>
             </a:fld>
             <a:endParaRPr lang="de-DE"/>
           </a:p>
@@ -1239,7 +1239,7 @@
           <a:p>
             <a:fld id="{BD70DBB8-8826-40D8-8146-11A515A3C116}" type="datetimeFigureOut">
               <a:rPr lang="de-DE" smtClean="0"/>
-              <a:t>13.12.2016</a:t>
+              <a:t>24.12.2016</a:t>
             </a:fld>
             <a:endParaRPr lang="de-DE"/>
           </a:p>
@@ -1606,7 +1606,7 @@
           <a:p>
             <a:fld id="{BD70DBB8-8826-40D8-8146-11A515A3C116}" type="datetimeFigureOut">
               <a:rPr lang="de-DE" smtClean="0"/>
-              <a:t>13.12.2016</a:t>
+              <a:t>24.12.2016</a:t>
             </a:fld>
             <a:endParaRPr lang="de-DE"/>
           </a:p>
@@ -1724,7 +1724,7 @@
           <a:p>
             <a:fld id="{BD70DBB8-8826-40D8-8146-11A515A3C116}" type="datetimeFigureOut">
               <a:rPr lang="de-DE" smtClean="0"/>
-              <a:t>13.12.2016</a:t>
+              <a:t>24.12.2016</a:t>
             </a:fld>
             <a:endParaRPr lang="de-DE"/>
           </a:p>
@@ -1819,7 +1819,7 @@
           <a:p>
             <a:fld id="{BD70DBB8-8826-40D8-8146-11A515A3C116}" type="datetimeFigureOut">
               <a:rPr lang="de-DE" smtClean="0"/>
-              <a:t>13.12.2016</a:t>
+              <a:t>24.12.2016</a:t>
             </a:fld>
             <a:endParaRPr lang="de-DE"/>
           </a:p>
@@ -2096,7 +2096,7 @@
           <a:p>
             <a:fld id="{BD70DBB8-8826-40D8-8146-11A515A3C116}" type="datetimeFigureOut">
               <a:rPr lang="de-DE" smtClean="0"/>
-              <a:t>13.12.2016</a:t>
+              <a:t>24.12.2016</a:t>
             </a:fld>
             <a:endParaRPr lang="de-DE"/>
           </a:p>
@@ -2353,7 +2353,7 @@
           <a:p>
             <a:fld id="{BD70DBB8-8826-40D8-8146-11A515A3C116}" type="datetimeFigureOut">
               <a:rPr lang="de-DE" smtClean="0"/>
-              <a:t>13.12.2016</a:t>
+              <a:t>24.12.2016</a:t>
             </a:fld>
             <a:endParaRPr lang="de-DE"/>
           </a:p>
@@ -2566,7 +2566,7 @@
           <a:p>
             <a:fld id="{BD70DBB8-8826-40D8-8146-11A515A3C116}" type="datetimeFigureOut">
               <a:rPr lang="de-DE" smtClean="0"/>
-              <a:t>13.12.2016</a:t>
+              <a:t>24.12.2016</a:t>
             </a:fld>
             <a:endParaRPr lang="de-DE"/>
           </a:p>
@@ -2974,13 +2974,15 @@
       <p:sp>
         <p:nvSpPr>
           <p:cNvPr id="4" name="Rechteck 3"/>
-          <p:cNvSpPr/>
+          <p:cNvSpPr>
+            <a:spLocks/>
+          </p:cNvSpPr>
           <p:nvPr/>
         </p:nvSpPr>
         <p:spPr>
           <a:xfrm>
-            <a:off x="3265637" y="2938414"/>
-            <a:ext cx="2808000" cy="6732000"/>
+            <a:off x="2733622" y="1758006"/>
+            <a:ext cx="4187700" cy="9355500"/>
           </a:xfrm>
           <a:prstGeom prst="rect">
             <a:avLst/>
@@ -3024,7 +3026,7 @@
           <a:lstStyle/>
           <a:p>
             <a:pPr algn="ctr"/>
-            <a:endParaRPr lang="en-GB" sz="1400" b="1" spc="100" dirty="0">
+            <a:endParaRPr lang="en-GB" sz="1800" b="1" spc="100" dirty="0">
               <a:solidFill>
                 <a:schemeClr val="tx1"/>
               </a:solidFill>
@@ -3037,13 +3039,15 @@
       <p:grpSp>
         <p:nvGrpSpPr>
           <p:cNvPr id="27" name="Gruppieren 26"/>
-          <p:cNvGrpSpPr/>
+          <p:cNvGrpSpPr>
+            <a:grpSpLocks/>
+          </p:cNvGrpSpPr>
           <p:nvPr/>
         </p:nvGrpSpPr>
         <p:grpSpPr>
           <a:xfrm>
-            <a:off x="3301637" y="2974414"/>
-            <a:ext cx="2736000" cy="6660000"/>
+            <a:off x="2769622" y="1794007"/>
+            <a:ext cx="4080302" cy="9255430"/>
             <a:chOff x="6505637" y="2938414"/>
             <a:chExt cx="2737423" cy="6876000"/>
           </a:xfrm>
@@ -3095,7 +3099,7 @@
             <a:p>
               <a:pPr algn="ctr"/>
               <a:r>
-                <a:rPr lang="en-GB" sz="1200" b="1" cap="all" dirty="0" smtClean="0">
+                <a:rPr lang="en-GB" sz="1600" b="1" cap="all" dirty="0" smtClean="0">
                   <a:solidFill>
                     <a:schemeClr val="tx1"/>
                   </a:solidFill>
@@ -3104,7 +3108,7 @@
                 </a:rPr>
                 <a:t>Heartbeat</a:t>
               </a:r>
-              <a:endParaRPr lang="en-GB" sz="1200" b="1" cap="all" dirty="0">
+              <a:endParaRPr lang="en-GB" sz="1600" b="1" cap="all" dirty="0">
                 <a:solidFill>
                   <a:schemeClr val="tx1"/>
                 </a:solidFill>
@@ -3161,7 +3165,7 @@
             <a:p>
               <a:pPr algn="ctr"/>
               <a:r>
-                <a:rPr lang="en-GB" sz="1200" b="1" cap="all" dirty="0" smtClean="0">
+                <a:rPr lang="en-GB" sz="1600" b="1" cap="all" dirty="0" smtClean="0">
                   <a:solidFill>
                     <a:schemeClr val="tx1"/>
                   </a:solidFill>
@@ -3170,13 +3174,6 @@
                 </a:rPr>
                 <a:t>Setup</a:t>
               </a:r>
-              <a:endParaRPr lang="en-GB" sz="1200" b="1" cap="all" dirty="0" smtClean="0">
-                <a:solidFill>
-                  <a:schemeClr val="tx1"/>
-                </a:solidFill>
-                <a:latin typeface="BankGothic Lt BT" panose="020B0607020203060204" pitchFamily="34" charset="0"/>
-                <a:cs typeface="Leelawadee UI Semilight" panose="020B0402040204020203" pitchFamily="34" charset="-34"/>
-              </a:endParaRPr>
             </a:p>
           </p:txBody>
         </p:sp>
@@ -3227,7 +3224,7 @@
             <a:p>
               <a:pPr algn="ctr"/>
               <a:r>
-                <a:rPr lang="en-GB" sz="1200" b="1" cap="all" dirty="0" smtClean="0">
+                <a:rPr lang="en-GB" sz="1600" b="1" cap="all" dirty="0" smtClean="0">
                   <a:solidFill>
                     <a:schemeClr val="tx1"/>
                   </a:solidFill>
@@ -3240,7 +3237,7 @@
             <a:p>
               <a:pPr algn="ctr"/>
               <a:r>
-                <a:rPr lang="en-GB" sz="1200" b="1" cap="all" dirty="0" smtClean="0">
+                <a:rPr lang="en-GB" sz="1600" b="1" cap="all" dirty="0" smtClean="0">
                   <a:solidFill>
                     <a:schemeClr val="tx1"/>
                   </a:solidFill>
@@ -3249,13 +3246,6 @@
                 </a:rPr>
                 <a:t>On</a:t>
               </a:r>
-              <a:endParaRPr lang="en-GB" sz="1200" b="1" cap="all" dirty="0" smtClean="0">
-                <a:solidFill>
-                  <a:schemeClr val="tx1"/>
-                </a:solidFill>
-                <a:latin typeface="BankGothic Lt BT" panose="020B0607020203060204" pitchFamily="34" charset="0"/>
-                <a:cs typeface="Leelawadee UI Semilight" panose="020B0402040204020203" pitchFamily="34" charset="-34"/>
-              </a:endParaRPr>
             </a:p>
           </p:txBody>
         </p:sp>
@@ -3306,7 +3296,7 @@
             <a:p>
               <a:pPr algn="ctr"/>
               <a:r>
-                <a:rPr lang="en-GB" sz="1200" b="1" cap="all" dirty="0" smtClean="0">
+                <a:rPr lang="en-GB" sz="1600" b="1" cap="all" dirty="0" smtClean="0">
                   <a:solidFill>
                     <a:schemeClr val="tx1"/>
                   </a:solidFill>
@@ -3315,13 +3305,6 @@
                 </a:rPr>
                 <a:t>Enabled</a:t>
               </a:r>
-              <a:endParaRPr lang="en-GB" sz="1200" b="1" cap="all" dirty="0" smtClean="0">
-                <a:solidFill>
-                  <a:schemeClr val="tx1"/>
-                </a:solidFill>
-                <a:latin typeface="BankGothic Lt BT" panose="020B0607020203060204" pitchFamily="34" charset="0"/>
-                <a:cs typeface="Leelawadee UI Semilight" panose="020B0402040204020203" pitchFamily="34" charset="-34"/>
-              </a:endParaRPr>
             </a:p>
           </p:txBody>
         </p:sp>
@@ -3372,7 +3355,7 @@
             <a:p>
               <a:pPr algn="ctr"/>
               <a:r>
-                <a:rPr lang="en-GB" sz="1200" b="1" cap="all" dirty="0" smtClean="0">
+                <a:rPr lang="en-GB" sz="1600" b="1" cap="all" dirty="0" smtClean="0">
                   <a:solidFill>
                     <a:schemeClr val="tx1"/>
                   </a:solidFill>
@@ -3385,7 +3368,7 @@
             <a:p>
               <a:pPr algn="ctr"/>
               <a:r>
-                <a:rPr lang="en-GB" sz="1200" b="1" cap="all" dirty="0" smtClean="0">
+                <a:rPr lang="en-GB" sz="1600" b="1" cap="all" dirty="0" smtClean="0">
                   <a:solidFill>
                     <a:schemeClr val="tx1"/>
                   </a:solidFill>
@@ -3394,13 +3377,6 @@
                 </a:rPr>
                 <a:t>MODE</a:t>
               </a:r>
-              <a:endParaRPr lang="en-GB" sz="1200" b="1" cap="all" dirty="0" smtClean="0">
-                <a:solidFill>
-                  <a:schemeClr val="tx1"/>
-                </a:solidFill>
-                <a:latin typeface="BankGothic Lt BT" panose="020B0607020203060204" pitchFamily="34" charset="0"/>
-                <a:cs typeface="Leelawadee UI Semilight" panose="020B0402040204020203" pitchFamily="34" charset="-34"/>
-              </a:endParaRPr>
             </a:p>
           </p:txBody>
         </p:sp>
@@ -3451,7 +3427,7 @@
             <a:p>
               <a:pPr algn="ctr"/>
               <a:r>
-                <a:rPr lang="en-GB" sz="1200" b="1" cap="all" dirty="0" smtClean="0">
+                <a:rPr lang="en-GB" sz="1600" b="1" cap="all" dirty="0" smtClean="0">
                   <a:solidFill>
                     <a:schemeClr val="tx1"/>
                   </a:solidFill>
@@ -3464,7 +3440,7 @@
             <a:p>
               <a:pPr algn="ctr"/>
               <a:r>
-                <a:rPr lang="en-GB" sz="1200" b="1" cap="all" dirty="0" smtClean="0">
+                <a:rPr lang="en-GB" sz="1600" b="1" cap="all" dirty="0" smtClean="0">
                   <a:solidFill>
                     <a:schemeClr val="tx1"/>
                   </a:solidFill>
@@ -3473,7 +3449,7 @@
                 </a:rPr>
                 <a:t>sample</a:t>
               </a:r>
-              <a:endParaRPr lang="en-GB" sz="1200" b="1" cap="all" dirty="0">
+              <a:endParaRPr lang="en-GB" sz="1600" b="1" cap="all" dirty="0">
                 <a:solidFill>
                   <a:schemeClr val="tx1"/>
                 </a:solidFill>
@@ -3530,7 +3506,7 @@
             <a:p>
               <a:pPr algn="ctr"/>
               <a:r>
-                <a:rPr lang="en-GB" sz="1200" b="1" cap="all" dirty="0" smtClean="0">
+                <a:rPr lang="en-GB" sz="1600" b="1" cap="all" dirty="0" smtClean="0">
                   <a:solidFill>
                     <a:schemeClr val="tx1"/>
                   </a:solidFill>
@@ -3543,7 +3519,7 @@
             <a:p>
               <a:pPr algn="ctr"/>
               <a:r>
-                <a:rPr lang="en-GB" sz="1200" b="1" cap="all" dirty="0" smtClean="0">
+                <a:rPr lang="en-GB" sz="1600" b="1" cap="all" dirty="0" smtClean="0">
                   <a:solidFill>
                     <a:schemeClr val="tx1"/>
                   </a:solidFill>
@@ -3552,7 +3528,7 @@
                 </a:rPr>
                 <a:t>MODE</a:t>
               </a:r>
-              <a:endParaRPr lang="en-GB" sz="1200" b="1" cap="all" dirty="0">
+              <a:endParaRPr lang="en-GB" sz="1600" b="1" cap="all" dirty="0">
                 <a:solidFill>
                   <a:schemeClr val="tx1"/>
                 </a:solidFill>
@@ -3609,7 +3585,7 @@
             <a:p>
               <a:pPr algn="ctr"/>
               <a:r>
-                <a:rPr lang="en-GB" sz="1200" b="1" cap="all" dirty="0" smtClean="0">
+                <a:rPr lang="en-GB" sz="1600" b="1" cap="all" dirty="0" smtClean="0">
                   <a:solidFill>
                     <a:schemeClr val="tx1"/>
                   </a:solidFill>
@@ -3622,7 +3598,7 @@
             <a:p>
               <a:pPr algn="ctr"/>
               <a:r>
-                <a:rPr lang="en-GB" sz="1200" b="1" cap="all" dirty="0" smtClean="0">
+                <a:rPr lang="en-GB" sz="1600" b="1" cap="all" dirty="0" smtClean="0">
                   <a:solidFill>
                     <a:schemeClr val="tx1"/>
                   </a:solidFill>
@@ -3631,7 +3607,7 @@
                 </a:rPr>
                 <a:t>Mode</a:t>
               </a:r>
-              <a:endParaRPr lang="en-GB" sz="1200" b="1" cap="all" dirty="0">
+              <a:endParaRPr lang="en-GB" sz="1600" b="1" cap="all" dirty="0">
                 <a:solidFill>
                   <a:schemeClr val="tx1"/>
                 </a:solidFill>
@@ -3688,7 +3664,7 @@
             <a:p>
               <a:pPr algn="ctr"/>
               <a:r>
-                <a:rPr lang="en-GB" sz="1200" b="1" cap="all" dirty="0" smtClean="0">
+                <a:rPr lang="en-GB" sz="1600" b="1" cap="all" dirty="0" smtClean="0">
                   <a:solidFill>
                     <a:schemeClr val="tx1"/>
                   </a:solidFill>
@@ -3697,13 +3673,6 @@
                 </a:rPr>
                 <a:t>Shoulder</a:t>
               </a:r>
-              <a:endParaRPr lang="en-GB" sz="1200" b="1" cap="all" dirty="0" smtClean="0">
-                <a:solidFill>
-                  <a:schemeClr val="tx1"/>
-                </a:solidFill>
-                <a:latin typeface="BankGothic Lt BT" panose="020B0607020203060204" pitchFamily="34" charset="0"/>
-                <a:cs typeface="Leelawadee UI Semilight" panose="020B0402040204020203" pitchFamily="34" charset="-34"/>
-              </a:endParaRPr>
             </a:p>
           </p:txBody>
         </p:sp>
@@ -3754,7 +3723,7 @@
             <a:p>
               <a:pPr algn="ctr"/>
               <a:r>
-                <a:rPr lang="en-GB" sz="1200" b="1" cap="all" dirty="0" smtClean="0">
+                <a:rPr lang="en-GB" sz="1600" b="1" cap="all" dirty="0" smtClean="0">
                   <a:solidFill>
                     <a:schemeClr val="tx1"/>
                   </a:solidFill>
@@ -3763,13 +3732,6 @@
                 </a:rPr>
                 <a:t>Upper arm</a:t>
               </a:r>
-              <a:endParaRPr lang="en-GB" sz="1200" b="1" cap="all" dirty="0" smtClean="0">
-                <a:solidFill>
-                  <a:schemeClr val="tx1"/>
-                </a:solidFill>
-                <a:latin typeface="BankGothic Lt BT" panose="020B0607020203060204" pitchFamily="34" charset="0"/>
-                <a:cs typeface="Leelawadee UI Semilight" panose="020B0402040204020203" pitchFamily="34" charset="-34"/>
-              </a:endParaRPr>
             </a:p>
           </p:txBody>
         </p:sp>
@@ -3820,7 +3782,7 @@
             <a:p>
               <a:pPr algn="ctr"/>
               <a:r>
-                <a:rPr lang="en-GB" sz="1200" b="1" cap="all" dirty="0" smtClean="0">
+                <a:rPr lang="en-GB" sz="1600" b="1" cap="all" dirty="0" smtClean="0">
                   <a:solidFill>
                     <a:schemeClr val="tx1"/>
                   </a:solidFill>
@@ -3829,13 +3791,6 @@
                 </a:rPr>
                 <a:t>Forearm</a:t>
               </a:r>
-              <a:endParaRPr lang="en-GB" sz="1200" b="1" cap="all" dirty="0" smtClean="0">
-                <a:solidFill>
-                  <a:schemeClr val="tx1"/>
-                </a:solidFill>
-                <a:latin typeface="BankGothic Lt BT" panose="020B0607020203060204" pitchFamily="34" charset="0"/>
-                <a:cs typeface="Leelawadee UI Semilight" panose="020B0402040204020203" pitchFamily="34" charset="-34"/>
-              </a:endParaRPr>
             </a:p>
           </p:txBody>
         </p:sp>
@@ -3886,7 +3841,7 @@
             <a:p>
               <a:pPr algn="ctr"/>
               <a:r>
-                <a:rPr lang="en-GB" sz="1200" b="1" cap="all" dirty="0" smtClean="0">
+                <a:rPr lang="en-GB" sz="1600" b="1" cap="all" dirty="0" smtClean="0">
                   <a:solidFill>
                     <a:schemeClr val="tx1"/>
                   </a:solidFill>
@@ -3895,13 +3850,6 @@
                 </a:rPr>
                 <a:t>Elbow</a:t>
               </a:r>
-              <a:endParaRPr lang="en-GB" sz="1200" b="1" cap="all" dirty="0" smtClean="0">
-                <a:solidFill>
-                  <a:schemeClr val="tx1"/>
-                </a:solidFill>
-                <a:latin typeface="BankGothic Lt BT" panose="020B0607020203060204" pitchFamily="34" charset="0"/>
-                <a:cs typeface="Leelawadee UI Semilight" panose="020B0402040204020203" pitchFamily="34" charset="-34"/>
-              </a:endParaRPr>
             </a:p>
           </p:txBody>
         </p:sp>
@@ -3952,7 +3900,7 @@
             <a:p>
               <a:pPr algn="ctr"/>
               <a:r>
-                <a:rPr lang="en-GB" sz="1200" b="1" cap="all" dirty="0" smtClean="0">
+                <a:rPr lang="en-GB" sz="1600" b="1" cap="all" dirty="0" smtClean="0">
                   <a:solidFill>
                     <a:schemeClr val="tx1"/>
                   </a:solidFill>
@@ -3961,13 +3909,6 @@
                 </a:rPr>
                 <a:t>Wrist</a:t>
               </a:r>
-              <a:endParaRPr lang="en-GB" sz="1200" b="1" cap="all" dirty="0" smtClean="0">
-                <a:solidFill>
-                  <a:schemeClr val="tx1"/>
-                </a:solidFill>
-                <a:latin typeface="BankGothic Lt BT" panose="020B0607020203060204" pitchFamily="34" charset="0"/>
-                <a:cs typeface="Leelawadee UI Semilight" panose="020B0402040204020203" pitchFamily="34" charset="-34"/>
-              </a:endParaRPr>
             </a:p>
           </p:txBody>
         </p:sp>
@@ -4018,7 +3959,7 @@
             <a:p>
               <a:pPr algn="ctr"/>
               <a:r>
-                <a:rPr lang="en-GB" sz="1200" b="1" cap="all" dirty="0" smtClean="0">
+                <a:rPr lang="en-GB" sz="1600" b="1" cap="all" dirty="0" smtClean="0">
                   <a:solidFill>
                     <a:schemeClr val="tx1"/>
                   </a:solidFill>
@@ -4027,13 +3968,6 @@
                 </a:rPr>
                 <a:t>Hand</a:t>
               </a:r>
-              <a:endParaRPr lang="en-GB" sz="1200" b="1" cap="all" dirty="0" smtClean="0">
-                <a:solidFill>
-                  <a:schemeClr val="tx1"/>
-                </a:solidFill>
-                <a:latin typeface="BankGothic Lt BT" panose="020B0607020203060204" pitchFamily="34" charset="0"/>
-                <a:cs typeface="Leelawadee UI Semilight" panose="020B0402040204020203" pitchFamily="34" charset="-34"/>
-              </a:endParaRPr>
             </a:p>
           </p:txBody>
         </p:sp>
@@ -4084,7 +4018,7 @@
             <a:p>
               <a:pPr algn="ctr"/>
               <a:r>
-                <a:rPr lang="en-GB" sz="1200" b="1" cap="all" dirty="0" smtClean="0">
+                <a:rPr lang="en-GB" sz="1600" b="1" cap="all" dirty="0" smtClean="0">
                   <a:solidFill>
                     <a:schemeClr val="tx1"/>
                   </a:solidFill>
@@ -4093,13 +4027,6 @@
                 </a:rPr>
                 <a:t>Finger</a:t>
               </a:r>
-              <a:endParaRPr lang="en-GB" sz="1200" b="1" cap="all" dirty="0" smtClean="0">
-                <a:solidFill>
-                  <a:schemeClr val="tx1"/>
-                </a:solidFill>
-                <a:latin typeface="BankGothic Lt BT" panose="020B0607020203060204" pitchFamily="34" charset="0"/>
-                <a:cs typeface="Leelawadee UI Semilight" panose="020B0402040204020203" pitchFamily="34" charset="-34"/>
-              </a:endParaRPr>
             </a:p>
           </p:txBody>
         </p:sp>
@@ -4150,7 +4077,7 @@
             <a:p>
               <a:pPr algn="ctr"/>
               <a:r>
-                <a:rPr lang="en-GB" sz="1200" b="1" cap="all" dirty="0" smtClean="0">
+                <a:rPr lang="en-GB" sz="1600" b="1" cap="all" dirty="0" smtClean="0">
                   <a:solidFill>
                     <a:schemeClr val="tx1"/>
                   </a:solidFill>
@@ -4159,7 +4086,7 @@
                 </a:rPr>
                 <a:t>Broken light</a:t>
               </a:r>
-              <a:endParaRPr lang="en-GB" sz="1200" b="1" cap="all" dirty="0">
+              <a:endParaRPr lang="en-GB" sz="1600" b="1" cap="all" dirty="0">
                 <a:solidFill>
                   <a:schemeClr val="tx1"/>
                 </a:solidFill>
@@ -4173,13 +4100,15 @@
       <p:cxnSp>
         <p:nvCxnSpPr>
           <p:cNvPr id="11" name="Gerader Verbinder 10"/>
-          <p:cNvCxnSpPr/>
+          <p:cNvCxnSpPr>
+            <a:cxnSpLocks/>
+          </p:cNvCxnSpPr>
           <p:nvPr/>
         </p:nvCxnSpPr>
         <p:spPr>
           <a:xfrm>
-            <a:off x="3265637" y="2938414"/>
-            <a:ext cx="2808000" cy="0"/>
+            <a:off x="2733622" y="1758007"/>
+            <a:ext cx="4187700" cy="0"/>
           </a:xfrm>
           <a:prstGeom prst="line">
             <a:avLst/>

--- a/cad/Walter-Lettering.pptx
+++ b/cad/Walter-Lettering.pptx
@@ -243,7 +243,7 @@
           <a:p>
             <a:fld id="{BD70DBB8-8826-40D8-8146-11A515A3C116}" type="datetimeFigureOut">
               <a:rPr lang="de-DE" smtClean="0"/>
-              <a:t>24.12.2016</a:t>
+              <a:t>08.01.2017</a:t>
             </a:fld>
             <a:endParaRPr lang="de-DE"/>
           </a:p>
@@ -413,7 +413,7 @@
           <a:p>
             <a:fld id="{BD70DBB8-8826-40D8-8146-11A515A3C116}" type="datetimeFigureOut">
               <a:rPr lang="de-DE" smtClean="0"/>
-              <a:t>24.12.2016</a:t>
+              <a:t>08.01.2017</a:t>
             </a:fld>
             <a:endParaRPr lang="de-DE"/>
           </a:p>
@@ -593,7 +593,7 @@
           <a:p>
             <a:fld id="{BD70DBB8-8826-40D8-8146-11A515A3C116}" type="datetimeFigureOut">
               <a:rPr lang="de-DE" smtClean="0"/>
-              <a:t>24.12.2016</a:t>
+              <a:t>08.01.2017</a:t>
             </a:fld>
             <a:endParaRPr lang="de-DE"/>
           </a:p>
@@ -763,7 +763,7 @@
           <a:p>
             <a:fld id="{BD70DBB8-8826-40D8-8146-11A515A3C116}" type="datetimeFigureOut">
               <a:rPr lang="de-DE" smtClean="0"/>
-              <a:t>24.12.2016</a:t>
+              <a:t>08.01.2017</a:t>
             </a:fld>
             <a:endParaRPr lang="de-DE"/>
           </a:p>
@@ -1007,7 +1007,7 @@
           <a:p>
             <a:fld id="{BD70DBB8-8826-40D8-8146-11A515A3C116}" type="datetimeFigureOut">
               <a:rPr lang="de-DE" smtClean="0"/>
-              <a:t>24.12.2016</a:t>
+              <a:t>08.01.2017</a:t>
             </a:fld>
             <a:endParaRPr lang="de-DE"/>
           </a:p>
@@ -1239,7 +1239,7 @@
           <a:p>
             <a:fld id="{BD70DBB8-8826-40D8-8146-11A515A3C116}" type="datetimeFigureOut">
               <a:rPr lang="de-DE" smtClean="0"/>
-              <a:t>24.12.2016</a:t>
+              <a:t>08.01.2017</a:t>
             </a:fld>
             <a:endParaRPr lang="de-DE"/>
           </a:p>
@@ -1606,7 +1606,7 @@
           <a:p>
             <a:fld id="{BD70DBB8-8826-40D8-8146-11A515A3C116}" type="datetimeFigureOut">
               <a:rPr lang="de-DE" smtClean="0"/>
-              <a:t>24.12.2016</a:t>
+              <a:t>08.01.2017</a:t>
             </a:fld>
             <a:endParaRPr lang="de-DE"/>
           </a:p>
@@ -1724,7 +1724,7 @@
           <a:p>
             <a:fld id="{BD70DBB8-8826-40D8-8146-11A515A3C116}" type="datetimeFigureOut">
               <a:rPr lang="de-DE" smtClean="0"/>
-              <a:t>24.12.2016</a:t>
+              <a:t>08.01.2017</a:t>
             </a:fld>
             <a:endParaRPr lang="de-DE"/>
           </a:p>
@@ -1819,7 +1819,7 @@
           <a:p>
             <a:fld id="{BD70DBB8-8826-40D8-8146-11A515A3C116}" type="datetimeFigureOut">
               <a:rPr lang="de-DE" smtClean="0"/>
-              <a:t>24.12.2016</a:t>
+              <a:t>08.01.2017</a:t>
             </a:fld>
             <a:endParaRPr lang="de-DE"/>
           </a:p>
@@ -2096,7 +2096,7 @@
           <a:p>
             <a:fld id="{BD70DBB8-8826-40D8-8146-11A515A3C116}" type="datetimeFigureOut">
               <a:rPr lang="de-DE" smtClean="0"/>
-              <a:t>24.12.2016</a:t>
+              <a:t>08.01.2017</a:t>
             </a:fld>
             <a:endParaRPr lang="de-DE"/>
           </a:p>
@@ -2353,7 +2353,7 @@
           <a:p>
             <a:fld id="{BD70DBB8-8826-40D8-8146-11A515A3C116}" type="datetimeFigureOut">
               <a:rPr lang="de-DE" smtClean="0"/>
-              <a:t>24.12.2016</a:t>
+              <a:t>08.01.2017</a:t>
             </a:fld>
             <a:endParaRPr lang="de-DE"/>
           </a:p>
@@ -2566,7 +2566,7 @@
           <a:p>
             <a:fld id="{BD70DBB8-8826-40D8-8146-11A515A3C116}" type="datetimeFigureOut">
               <a:rPr lang="de-DE" smtClean="0"/>
-              <a:t>24.12.2016</a:t>
+              <a:t>08.01.2017</a:t>
             </a:fld>
             <a:endParaRPr lang="de-DE"/>
           </a:p>
@@ -3030,7 +3030,7 @@
               <a:solidFill>
                 <a:schemeClr val="tx1"/>
               </a:solidFill>
-              <a:latin typeface="BankGothic Lt BT" panose="020B0607020203060204" pitchFamily="34" charset="0"/>
+              <a:latin typeface="BankGothic Md BT" panose="020B0807020203060204" pitchFamily="34" charset="0"/>
               <a:cs typeface="Leelawadee UI Semilight" panose="020B0402040204020203" pitchFamily="34" charset="-34"/>
             </a:endParaRPr>
           </a:p>
@@ -3103,7 +3103,7 @@
                   <a:solidFill>
                     <a:schemeClr val="tx1"/>
                   </a:solidFill>
-                  <a:latin typeface="BankGothic Lt BT" panose="020B0607020203060204" pitchFamily="34" charset="0"/>
+                  <a:latin typeface="BankGothic Md BT" panose="020B0807020203060204" pitchFamily="34" charset="0"/>
                   <a:cs typeface="Leelawadee UI Semilight" panose="020B0402040204020203" pitchFamily="34" charset="-34"/>
                 </a:rPr>
                 <a:t>Heartbeat</a:t>
@@ -3112,7 +3112,7 @@
                 <a:solidFill>
                   <a:schemeClr val="tx1"/>
                 </a:solidFill>
-                <a:latin typeface="BankGothic Lt BT" panose="020B0607020203060204" pitchFamily="34" charset="0"/>
+                <a:latin typeface="BankGothic Md BT" panose="020B0807020203060204" pitchFamily="34" charset="0"/>
                 <a:cs typeface="Leelawadee UI Semilight" panose="020B0402040204020203" pitchFamily="34" charset="-34"/>
               </a:endParaRPr>
             </a:p>
@@ -3169,7 +3169,7 @@
                   <a:solidFill>
                     <a:schemeClr val="tx1"/>
                   </a:solidFill>
-                  <a:latin typeface="BankGothic Lt BT" panose="020B0607020203060204" pitchFamily="34" charset="0"/>
+                  <a:latin typeface="BankGothic Md BT" panose="020B0807020203060204" pitchFamily="34" charset="0"/>
                   <a:cs typeface="Leelawadee UI Semilight" panose="020B0402040204020203" pitchFamily="34" charset="-34"/>
                 </a:rPr>
                 <a:t>Setup</a:t>
@@ -3228,7 +3228,7 @@
                   <a:solidFill>
                     <a:schemeClr val="tx1"/>
                   </a:solidFill>
-                  <a:latin typeface="BankGothic Lt BT" panose="020B0607020203060204" pitchFamily="34" charset="0"/>
+                  <a:latin typeface="BankGothic Md BT" panose="020B0807020203060204" pitchFamily="34" charset="0"/>
                   <a:cs typeface="Leelawadee UI Semilight" panose="020B0402040204020203" pitchFamily="34" charset="-34"/>
                 </a:rPr>
                 <a:t>Power</a:t>
@@ -3241,7 +3241,7 @@
                   <a:solidFill>
                     <a:schemeClr val="tx1"/>
                   </a:solidFill>
-                  <a:latin typeface="BankGothic Lt BT" panose="020B0607020203060204" pitchFamily="34" charset="0"/>
+                  <a:latin typeface="BankGothic Md BT" panose="020B0807020203060204" pitchFamily="34" charset="0"/>
                   <a:cs typeface="Leelawadee UI Semilight" panose="020B0402040204020203" pitchFamily="34" charset="-34"/>
                 </a:rPr>
                 <a:t>On</a:t>
@@ -3300,7 +3300,7 @@
                   <a:solidFill>
                     <a:schemeClr val="tx1"/>
                   </a:solidFill>
-                  <a:latin typeface="BankGothic Lt BT" panose="020B0607020203060204" pitchFamily="34" charset="0"/>
+                  <a:latin typeface="BankGothic Md BT" panose="020B0807020203060204" pitchFamily="34" charset="0"/>
                   <a:cs typeface="Leelawadee UI Semilight" panose="020B0402040204020203" pitchFamily="34" charset="-34"/>
                 </a:rPr>
                 <a:t>Enabled</a:t>
@@ -3359,7 +3359,7 @@
                   <a:solidFill>
                     <a:schemeClr val="tx1"/>
                   </a:solidFill>
-                  <a:latin typeface="BankGothic Lt BT" panose="020B0607020203060204" pitchFamily="34" charset="0"/>
+                  <a:latin typeface="BankGothic Md BT" panose="020B0807020203060204" pitchFamily="34" charset="0"/>
                   <a:cs typeface="Leelawadee UI Semilight" panose="020B0402040204020203" pitchFamily="34" charset="-34"/>
                 </a:rPr>
                 <a:t>Trajectory</a:t>
@@ -3372,7 +3372,7 @@
                   <a:solidFill>
                     <a:schemeClr val="tx1"/>
                   </a:solidFill>
-                  <a:latin typeface="BankGothic Lt BT" panose="020B0607020203060204" pitchFamily="34" charset="0"/>
+                  <a:latin typeface="BankGothic Md BT" panose="020B0807020203060204" pitchFamily="34" charset="0"/>
                   <a:cs typeface="Leelawadee UI Semilight" panose="020B0402040204020203" pitchFamily="34" charset="-34"/>
                 </a:rPr>
                 <a:t>MODE</a:t>
@@ -3431,7 +3431,7 @@
                   <a:solidFill>
                     <a:schemeClr val="tx1"/>
                   </a:solidFill>
-                  <a:latin typeface="BankGothic Lt BT" panose="020B0607020203060204" pitchFamily="34" charset="0"/>
+                  <a:latin typeface="BankGothic Md BT" panose="020B0807020203060204" pitchFamily="34" charset="0"/>
                   <a:cs typeface="Leelawadee UI Semilight" panose="020B0402040204020203" pitchFamily="34" charset="-34"/>
                 </a:rPr>
                 <a:t>Pose </a:t>
@@ -3444,7 +3444,7 @@
                   <a:solidFill>
                     <a:schemeClr val="tx1"/>
                   </a:solidFill>
-                  <a:latin typeface="BankGothic Lt BT" panose="020B0607020203060204" pitchFamily="34" charset="0"/>
+                  <a:latin typeface="BankGothic Md BT" panose="020B0807020203060204" pitchFamily="34" charset="0"/>
                   <a:cs typeface="Leelawadee UI Semilight" panose="020B0402040204020203" pitchFamily="34" charset="-34"/>
                 </a:rPr>
                 <a:t>sample</a:t>
@@ -3453,7 +3453,7 @@
                 <a:solidFill>
                   <a:schemeClr val="tx1"/>
                 </a:solidFill>
-                <a:latin typeface="BankGothic Lt BT" panose="020B0607020203060204" pitchFamily="34" charset="0"/>
+                <a:latin typeface="BankGothic Md BT" panose="020B0807020203060204" pitchFamily="34" charset="0"/>
                 <a:cs typeface="Leelawadee UI Semilight" panose="020B0402040204020203" pitchFamily="34" charset="-34"/>
               </a:endParaRPr>
             </a:p>
@@ -3510,7 +3510,7 @@
                   <a:solidFill>
                     <a:schemeClr val="tx1"/>
                   </a:solidFill>
-                  <a:latin typeface="BankGothic Lt BT" panose="020B0607020203060204" pitchFamily="34" charset="0"/>
+                  <a:latin typeface="BankGothic Md BT" panose="020B0807020203060204" pitchFamily="34" charset="0"/>
                   <a:cs typeface="Leelawadee UI Semilight" panose="020B0402040204020203" pitchFamily="34" charset="-34"/>
                 </a:rPr>
                 <a:t>Control</a:t>
@@ -3523,7 +3523,7 @@
                   <a:solidFill>
                     <a:schemeClr val="tx1"/>
                   </a:solidFill>
-                  <a:latin typeface="BankGothic Lt BT" panose="020B0607020203060204" pitchFamily="34" charset="0"/>
+                  <a:latin typeface="BankGothic Md BT" panose="020B0807020203060204" pitchFamily="34" charset="0"/>
                   <a:cs typeface="Leelawadee UI Semilight" panose="020B0402040204020203" pitchFamily="34" charset="-34"/>
                 </a:rPr>
                 <a:t>MODE</a:t>
@@ -3532,7 +3532,7 @@
                 <a:solidFill>
                   <a:schemeClr val="tx1"/>
                 </a:solidFill>
-                <a:latin typeface="BankGothic Lt BT" panose="020B0607020203060204" pitchFamily="34" charset="0"/>
+                <a:latin typeface="BankGothic Md BT" panose="020B0807020203060204" pitchFamily="34" charset="0"/>
                 <a:cs typeface="Leelawadee UI Semilight" panose="020B0402040204020203" pitchFamily="34" charset="-34"/>
               </a:endParaRPr>
             </a:p>
@@ -3589,7 +3589,7 @@
                   <a:solidFill>
                     <a:schemeClr val="tx1"/>
                   </a:solidFill>
-                  <a:latin typeface="BankGothic Lt BT" panose="020B0607020203060204" pitchFamily="34" charset="0"/>
+                  <a:latin typeface="BankGothic Md BT" panose="020B0807020203060204" pitchFamily="34" charset="0"/>
                   <a:cs typeface="Leelawadee UI Semilight" panose="020B0402040204020203" pitchFamily="34" charset="-34"/>
                 </a:rPr>
                 <a:t>AMOK </a:t>
@@ -3602,7 +3602,7 @@
                   <a:solidFill>
                     <a:schemeClr val="tx1"/>
                   </a:solidFill>
-                  <a:latin typeface="BankGothic Lt BT" panose="020B0607020203060204" pitchFamily="34" charset="0"/>
+                  <a:latin typeface="BankGothic Md BT" panose="020B0807020203060204" pitchFamily="34" charset="0"/>
                   <a:cs typeface="Leelawadee UI Semilight" panose="020B0402040204020203" pitchFamily="34" charset="-34"/>
                 </a:rPr>
                 <a:t>Mode</a:t>
@@ -3611,7 +3611,7 @@
                 <a:solidFill>
                   <a:schemeClr val="tx1"/>
                 </a:solidFill>
-                <a:latin typeface="BankGothic Lt BT" panose="020B0607020203060204" pitchFamily="34" charset="0"/>
+                <a:latin typeface="BankGothic Md BT" panose="020B0807020203060204" pitchFamily="34" charset="0"/>
                 <a:cs typeface="Leelawadee UI Semilight" panose="020B0402040204020203" pitchFamily="34" charset="-34"/>
               </a:endParaRPr>
             </a:p>
@@ -3668,7 +3668,7 @@
                   <a:solidFill>
                     <a:schemeClr val="tx1"/>
                   </a:solidFill>
-                  <a:latin typeface="BankGothic Lt BT" panose="020B0607020203060204" pitchFamily="34" charset="0"/>
+                  <a:latin typeface="BankGothic Md BT" panose="020B0807020203060204" pitchFamily="34" charset="0"/>
                   <a:cs typeface="Leelawadee UI Semilight" panose="020B0402040204020203" pitchFamily="34" charset="-34"/>
                 </a:rPr>
                 <a:t>Shoulder</a:t>
@@ -3727,7 +3727,7 @@
                   <a:solidFill>
                     <a:schemeClr val="tx1"/>
                   </a:solidFill>
-                  <a:latin typeface="BankGothic Lt BT" panose="020B0607020203060204" pitchFamily="34" charset="0"/>
+                  <a:latin typeface="BankGothic Md BT" panose="020B0807020203060204" pitchFamily="34" charset="0"/>
                   <a:cs typeface="Leelawadee UI Semilight" panose="020B0402040204020203" pitchFamily="34" charset="-34"/>
                 </a:rPr>
                 <a:t>Upper arm</a:t>
@@ -3786,7 +3786,7 @@
                   <a:solidFill>
                     <a:schemeClr val="tx1"/>
                   </a:solidFill>
-                  <a:latin typeface="BankGothic Lt BT" panose="020B0607020203060204" pitchFamily="34" charset="0"/>
+                  <a:latin typeface="BankGothic Md BT" panose="020B0807020203060204" pitchFamily="34" charset="0"/>
                   <a:cs typeface="Leelawadee UI Semilight" panose="020B0402040204020203" pitchFamily="34" charset="-34"/>
                 </a:rPr>
                 <a:t>Forearm</a:t>
@@ -3845,7 +3845,7 @@
                   <a:solidFill>
                     <a:schemeClr val="tx1"/>
                   </a:solidFill>
-                  <a:latin typeface="BankGothic Lt BT" panose="020B0607020203060204" pitchFamily="34" charset="0"/>
+                  <a:latin typeface="BankGothic Md BT" panose="020B0807020203060204" pitchFamily="34" charset="0"/>
                   <a:cs typeface="Leelawadee UI Semilight" panose="020B0402040204020203" pitchFamily="34" charset="-34"/>
                 </a:rPr>
                 <a:t>Elbow</a:t>
@@ -3904,7 +3904,7 @@
                   <a:solidFill>
                     <a:schemeClr val="tx1"/>
                   </a:solidFill>
-                  <a:latin typeface="BankGothic Lt BT" panose="020B0607020203060204" pitchFamily="34" charset="0"/>
+                  <a:latin typeface="BankGothic Md BT" panose="020B0807020203060204" pitchFamily="34" charset="0"/>
                   <a:cs typeface="Leelawadee UI Semilight" panose="020B0402040204020203" pitchFamily="34" charset="-34"/>
                 </a:rPr>
                 <a:t>Wrist</a:t>
@@ -3963,7 +3963,7 @@
                   <a:solidFill>
                     <a:schemeClr val="tx1"/>
                   </a:solidFill>
-                  <a:latin typeface="BankGothic Lt BT" panose="020B0607020203060204" pitchFamily="34" charset="0"/>
+                  <a:latin typeface="BankGothic Md BT" panose="020B0807020203060204" pitchFamily="34" charset="0"/>
                   <a:cs typeface="Leelawadee UI Semilight" panose="020B0402040204020203" pitchFamily="34" charset="-34"/>
                 </a:rPr>
                 <a:t>Hand</a:t>
@@ -4022,7 +4022,7 @@
                   <a:solidFill>
                     <a:schemeClr val="tx1"/>
                   </a:solidFill>
-                  <a:latin typeface="BankGothic Lt BT" panose="020B0607020203060204" pitchFamily="34" charset="0"/>
+                  <a:latin typeface="BankGothic Md BT" panose="020B0807020203060204" pitchFamily="34" charset="0"/>
                   <a:cs typeface="Leelawadee UI Semilight" panose="020B0402040204020203" pitchFamily="34" charset="-34"/>
                 </a:rPr>
                 <a:t>Finger</a:t>
@@ -4081,7 +4081,7 @@
                   <a:solidFill>
                     <a:schemeClr val="tx1"/>
                   </a:solidFill>
-                  <a:latin typeface="BankGothic Lt BT" panose="020B0607020203060204" pitchFamily="34" charset="0"/>
+                  <a:latin typeface="BankGothic Md BT" panose="020B0807020203060204" pitchFamily="34" charset="0"/>
                   <a:cs typeface="Leelawadee UI Semilight" panose="020B0402040204020203" pitchFamily="34" charset="-34"/>
                 </a:rPr>
                 <a:t>Broken light</a:t>
@@ -4090,7 +4090,7 @@
                 <a:solidFill>
                   <a:schemeClr val="tx1"/>
                 </a:solidFill>
-                <a:latin typeface="BankGothic Lt BT" panose="020B0607020203060204" pitchFamily="34" charset="0"/>
+                <a:latin typeface="BankGothic Md BT" panose="020B0807020203060204" pitchFamily="34" charset="0"/>
                 <a:cs typeface="Leelawadee UI Semilight" panose="020B0402040204020203" pitchFamily="34" charset="-34"/>
               </a:endParaRPr>
             </a:p>

--- a/cad/Walter-Lettering.pptx
+++ b/cad/Walter-Lettering.pptx
@@ -243,7 +243,7 @@
           <a:p>
             <a:fld id="{BD70DBB8-8826-40D8-8146-11A515A3C116}" type="datetimeFigureOut">
               <a:rPr lang="de-DE" smtClean="0"/>
-              <a:t>08.01.2017</a:t>
+              <a:t>14.01.2017</a:t>
             </a:fld>
             <a:endParaRPr lang="de-DE"/>
           </a:p>
@@ -413,7 +413,7 @@
           <a:p>
             <a:fld id="{BD70DBB8-8826-40D8-8146-11A515A3C116}" type="datetimeFigureOut">
               <a:rPr lang="de-DE" smtClean="0"/>
-              <a:t>08.01.2017</a:t>
+              <a:t>14.01.2017</a:t>
             </a:fld>
             <a:endParaRPr lang="de-DE"/>
           </a:p>
@@ -593,7 +593,7 @@
           <a:p>
             <a:fld id="{BD70DBB8-8826-40D8-8146-11A515A3C116}" type="datetimeFigureOut">
               <a:rPr lang="de-DE" smtClean="0"/>
-              <a:t>08.01.2017</a:t>
+              <a:t>14.01.2017</a:t>
             </a:fld>
             <a:endParaRPr lang="de-DE"/>
           </a:p>
@@ -763,7 +763,7 @@
           <a:p>
             <a:fld id="{BD70DBB8-8826-40D8-8146-11A515A3C116}" type="datetimeFigureOut">
               <a:rPr lang="de-DE" smtClean="0"/>
-              <a:t>08.01.2017</a:t>
+              <a:t>14.01.2017</a:t>
             </a:fld>
             <a:endParaRPr lang="de-DE"/>
           </a:p>
@@ -1007,7 +1007,7 @@
           <a:p>
             <a:fld id="{BD70DBB8-8826-40D8-8146-11A515A3C116}" type="datetimeFigureOut">
               <a:rPr lang="de-DE" smtClean="0"/>
-              <a:t>08.01.2017</a:t>
+              <a:t>14.01.2017</a:t>
             </a:fld>
             <a:endParaRPr lang="de-DE"/>
           </a:p>
@@ -1239,7 +1239,7 @@
           <a:p>
             <a:fld id="{BD70DBB8-8826-40D8-8146-11A515A3C116}" type="datetimeFigureOut">
               <a:rPr lang="de-DE" smtClean="0"/>
-              <a:t>08.01.2017</a:t>
+              <a:t>14.01.2017</a:t>
             </a:fld>
             <a:endParaRPr lang="de-DE"/>
           </a:p>
@@ -1606,7 +1606,7 @@
           <a:p>
             <a:fld id="{BD70DBB8-8826-40D8-8146-11A515A3C116}" type="datetimeFigureOut">
               <a:rPr lang="de-DE" smtClean="0"/>
-              <a:t>08.01.2017</a:t>
+              <a:t>14.01.2017</a:t>
             </a:fld>
             <a:endParaRPr lang="de-DE"/>
           </a:p>
@@ -1724,7 +1724,7 @@
           <a:p>
             <a:fld id="{BD70DBB8-8826-40D8-8146-11A515A3C116}" type="datetimeFigureOut">
               <a:rPr lang="de-DE" smtClean="0"/>
-              <a:t>08.01.2017</a:t>
+              <a:t>14.01.2017</a:t>
             </a:fld>
             <a:endParaRPr lang="de-DE"/>
           </a:p>
@@ -1819,7 +1819,7 @@
           <a:p>
             <a:fld id="{BD70DBB8-8826-40D8-8146-11A515A3C116}" type="datetimeFigureOut">
               <a:rPr lang="de-DE" smtClean="0"/>
-              <a:t>08.01.2017</a:t>
+              <a:t>14.01.2017</a:t>
             </a:fld>
             <a:endParaRPr lang="de-DE"/>
           </a:p>
@@ -2096,7 +2096,7 @@
           <a:p>
             <a:fld id="{BD70DBB8-8826-40D8-8146-11A515A3C116}" type="datetimeFigureOut">
               <a:rPr lang="de-DE" smtClean="0"/>
-              <a:t>08.01.2017</a:t>
+              <a:t>14.01.2017</a:t>
             </a:fld>
             <a:endParaRPr lang="de-DE"/>
           </a:p>
@@ -2353,7 +2353,7 @@
           <a:p>
             <a:fld id="{BD70DBB8-8826-40D8-8146-11A515A3C116}" type="datetimeFigureOut">
               <a:rPr lang="de-DE" smtClean="0"/>
-              <a:t>08.01.2017</a:t>
+              <a:t>14.01.2017</a:t>
             </a:fld>
             <a:endParaRPr lang="de-DE"/>
           </a:p>
@@ -2566,7 +2566,7 @@
           <a:p>
             <a:fld id="{BD70DBB8-8826-40D8-8146-11A515A3C116}" type="datetimeFigureOut">
               <a:rPr lang="de-DE" smtClean="0"/>
-              <a:t>08.01.2017</a:t>
+              <a:t>14.01.2017</a:t>
             </a:fld>
             <a:endParaRPr lang="de-DE"/>
           </a:p>
@@ -2973,31 +2973,21 @@
       </p:grpSpPr>
       <p:sp>
         <p:nvSpPr>
-          <p:cNvPr id="4" name="Rechteck 3"/>
-          <p:cNvSpPr>
-            <a:spLocks/>
-          </p:cNvSpPr>
+          <p:cNvPr id="5" name="Rechteck 4"/>
+          <p:cNvSpPr/>
           <p:nvPr/>
         </p:nvSpPr>
         <p:spPr>
           <a:xfrm>
-            <a:off x="2733622" y="1758006"/>
-            <a:ext cx="4187700" cy="9355500"/>
+            <a:off x="2769625" y="1794007"/>
+            <a:ext cx="2067167" cy="1114528"/>
           </a:xfrm>
           <a:prstGeom prst="rect">
             <a:avLst/>
           </a:prstGeom>
-          <a:solidFill>
-            <a:schemeClr val="bg2">
-              <a:lumMod val="90000"/>
-            </a:schemeClr>
-          </a:solidFill>
+          <a:noFill/>
           <a:ln>
-            <a:solidFill>
-              <a:schemeClr val="bg2">
-                <a:lumMod val="90000"/>
-              </a:schemeClr>
-            </a:solidFill>
+            <a:noFill/>
           </a:ln>
         </p:spPr>
         <p:style>
@@ -3017,16 +3007,21 @@
           </a:fontRef>
         </p:style>
         <p:txBody>
-          <a:bodyPr rot="0" spcFirstLastPara="0" vertOverflow="overflow" horzOverflow="overflow" vert="horz" wrap="square" lIns="162560" tIns="81280" rIns="162560" bIns="81280" numCol="1" spcCol="0" rtlCol="0" fromWordArt="0" anchor="ctr" anchorCtr="0" forceAA="0" compatLnSpc="1">
-            <a:prstTxWarp prst="textNoShape">
-              <a:avLst/>
-            </a:prstTxWarp>
-            <a:noAutofit/>
-          </a:bodyPr>
+          <a:bodyPr rtlCol="0" anchor="ctr"/>
           <a:lstStyle/>
           <a:p>
             <a:pPr algn="ctr"/>
-            <a:endParaRPr lang="en-GB" sz="1800" b="1" spc="100" dirty="0">
+            <a:r>
+              <a:rPr lang="en-GB" sz="1700" b="1" cap="all" dirty="0" smtClean="0">
+                <a:solidFill>
+                  <a:schemeClr val="tx1"/>
+                </a:solidFill>
+                <a:latin typeface="BankGothic Md BT" panose="020B0807020203060204" pitchFamily="34" charset="0"/>
+                <a:cs typeface="Leelawadee UI Semilight" panose="020B0402040204020203" pitchFamily="34" charset="-34"/>
+              </a:rPr>
+              <a:t>Heartbeat</a:t>
+            </a:r>
+            <a:endParaRPr lang="en-GB" sz="1700" b="1" cap="all" dirty="0">
               <a:solidFill>
                 <a:schemeClr val="tx1"/>
               </a:solidFill>
@@ -3036,1099 +3031,914 @@
           </a:p>
         </p:txBody>
       </p:sp>
-      <p:grpSp>
-        <p:nvGrpSpPr>
-          <p:cNvPr id="27" name="Gruppieren 26"/>
-          <p:cNvGrpSpPr>
-            <a:grpSpLocks/>
-          </p:cNvGrpSpPr>
+      <p:sp>
+        <p:nvSpPr>
+          <p:cNvPr id="6" name="Rechteck 5"/>
+          <p:cNvSpPr/>
           <p:nvPr/>
-        </p:nvGrpSpPr>
-        <p:grpSpPr>
-          <a:xfrm>
-            <a:off x="2769622" y="1794007"/>
-            <a:ext cx="4080302" cy="9255430"/>
-            <a:chOff x="6505637" y="2938414"/>
-            <a:chExt cx="2737423" cy="6876000"/>
-          </a:xfrm>
-        </p:grpSpPr>
-        <p:sp>
-          <p:nvSpPr>
-            <p:cNvPr id="5" name="Rechteck 4"/>
-            <p:cNvSpPr/>
-            <p:nvPr/>
-          </p:nvSpPr>
-          <p:spPr>
-            <a:xfrm>
-              <a:off x="6505637" y="2938414"/>
-              <a:ext cx="1386836" cy="828000"/>
-            </a:xfrm>
-            <a:prstGeom prst="rect">
-              <a:avLst/>
-            </a:prstGeom>
-            <a:solidFill>
-              <a:schemeClr val="bg1"/>
-            </a:solidFill>
-            <a:ln>
-              <a:solidFill>
-                <a:schemeClr val="bg2">
-                  <a:lumMod val="90000"/>
-                </a:schemeClr>
-              </a:solidFill>
-            </a:ln>
-          </p:spPr>
-          <p:style>
-            <a:lnRef idx="2">
-              <a:schemeClr val="accent1">
-                <a:shade val="50000"/>
-              </a:schemeClr>
-            </a:lnRef>
-            <a:fillRef idx="1">
-              <a:schemeClr val="accent1"/>
-            </a:fillRef>
-            <a:effectRef idx="0">
-              <a:schemeClr val="accent1"/>
-            </a:effectRef>
-            <a:fontRef idx="minor">
-              <a:schemeClr val="lt1"/>
-            </a:fontRef>
-          </p:style>
-          <p:txBody>
-            <a:bodyPr rtlCol="0" anchor="ctr"/>
-            <a:lstStyle/>
-            <a:p>
-              <a:pPr algn="ctr"/>
-              <a:r>
-                <a:rPr lang="en-GB" sz="1600" b="1" cap="all" dirty="0" smtClean="0">
-                  <a:solidFill>
-                    <a:schemeClr val="tx1"/>
-                  </a:solidFill>
-                  <a:latin typeface="BankGothic Md BT" panose="020B0807020203060204" pitchFamily="34" charset="0"/>
-                  <a:cs typeface="Leelawadee UI Semilight" panose="020B0402040204020203" pitchFamily="34" charset="-34"/>
-                </a:rPr>
-                <a:t>Heartbeat</a:t>
-              </a:r>
-              <a:endParaRPr lang="en-GB" sz="1600" b="1" cap="all" dirty="0">
-                <a:solidFill>
-                  <a:schemeClr val="tx1"/>
-                </a:solidFill>
-                <a:latin typeface="BankGothic Md BT" panose="020B0807020203060204" pitchFamily="34" charset="0"/>
-                <a:cs typeface="Leelawadee UI Semilight" panose="020B0402040204020203" pitchFamily="34" charset="-34"/>
-              </a:endParaRPr>
-            </a:p>
-          </p:txBody>
-        </p:sp>
-        <p:sp>
-          <p:nvSpPr>
-            <p:cNvPr id="6" name="Rechteck 5"/>
-            <p:cNvSpPr/>
-            <p:nvPr/>
-          </p:nvSpPr>
-          <p:spPr>
-            <a:xfrm>
-              <a:off x="7926801" y="2938414"/>
-              <a:ext cx="1316259" cy="828000"/>
-            </a:xfrm>
-            <a:prstGeom prst="rect">
-              <a:avLst/>
-            </a:prstGeom>
-            <a:solidFill>
-              <a:schemeClr val="bg1"/>
-            </a:solidFill>
-            <a:ln>
-              <a:solidFill>
-                <a:schemeClr val="bg2">
-                  <a:lumMod val="90000"/>
-                </a:schemeClr>
-              </a:solidFill>
-            </a:ln>
-          </p:spPr>
-          <p:style>
-            <a:lnRef idx="2">
-              <a:schemeClr val="accent1">
-                <a:shade val="50000"/>
-              </a:schemeClr>
-            </a:lnRef>
-            <a:fillRef idx="1">
-              <a:schemeClr val="accent1"/>
-            </a:fillRef>
-            <a:effectRef idx="0">
-              <a:schemeClr val="accent1"/>
-            </a:effectRef>
-            <a:fontRef idx="minor">
-              <a:schemeClr val="lt1"/>
-            </a:fontRef>
-          </p:style>
-          <p:txBody>
-            <a:bodyPr rtlCol="0" anchor="ctr"/>
-            <a:lstStyle/>
-            <a:p>
-              <a:pPr algn="ctr"/>
-              <a:r>
-                <a:rPr lang="en-GB" sz="1600" b="1" cap="all" dirty="0" smtClean="0">
-                  <a:solidFill>
-                    <a:schemeClr val="tx1"/>
-                  </a:solidFill>
-                  <a:latin typeface="BankGothic Md BT" panose="020B0807020203060204" pitchFamily="34" charset="0"/>
-                  <a:cs typeface="Leelawadee UI Semilight" panose="020B0402040204020203" pitchFamily="34" charset="-34"/>
-                </a:rPr>
-                <a:t>Setup</a:t>
-              </a:r>
-            </a:p>
-          </p:txBody>
-        </p:sp>
-        <p:sp>
-          <p:nvSpPr>
-            <p:cNvPr id="9" name="Rechteck 8"/>
-            <p:cNvSpPr/>
-            <p:nvPr/>
-          </p:nvSpPr>
-          <p:spPr>
-            <a:xfrm>
-              <a:off x="6505637" y="3802414"/>
-              <a:ext cx="1386836" cy="828000"/>
-            </a:xfrm>
-            <a:prstGeom prst="rect">
-              <a:avLst/>
-            </a:prstGeom>
-            <a:solidFill>
-              <a:schemeClr val="bg1"/>
-            </a:solidFill>
-            <a:ln>
-              <a:solidFill>
-                <a:schemeClr val="bg2">
-                  <a:lumMod val="90000"/>
-                </a:schemeClr>
-              </a:solidFill>
-            </a:ln>
-          </p:spPr>
-          <p:style>
-            <a:lnRef idx="2">
-              <a:schemeClr val="accent1">
-                <a:shade val="50000"/>
-              </a:schemeClr>
-            </a:lnRef>
-            <a:fillRef idx="1">
-              <a:schemeClr val="accent1"/>
-            </a:fillRef>
-            <a:effectRef idx="0">
-              <a:schemeClr val="accent1"/>
-            </a:effectRef>
-            <a:fontRef idx="minor">
-              <a:schemeClr val="lt1"/>
-            </a:fontRef>
-          </p:style>
-          <p:txBody>
-            <a:bodyPr rtlCol="0" anchor="ctr"/>
-            <a:lstStyle/>
-            <a:p>
-              <a:pPr algn="ctr"/>
-              <a:r>
-                <a:rPr lang="en-GB" sz="1600" b="1" cap="all" dirty="0" smtClean="0">
-                  <a:solidFill>
-                    <a:schemeClr val="tx1"/>
-                  </a:solidFill>
-                  <a:latin typeface="BankGothic Md BT" panose="020B0807020203060204" pitchFamily="34" charset="0"/>
-                  <a:cs typeface="Leelawadee UI Semilight" panose="020B0402040204020203" pitchFamily="34" charset="-34"/>
-                </a:rPr>
-                <a:t>Power</a:t>
-              </a:r>
-            </a:p>
-            <a:p>
-              <a:pPr algn="ctr"/>
-              <a:r>
-                <a:rPr lang="en-GB" sz="1600" b="1" cap="all" dirty="0" smtClean="0">
-                  <a:solidFill>
-                    <a:schemeClr val="tx1"/>
-                  </a:solidFill>
-                  <a:latin typeface="BankGothic Md BT" panose="020B0807020203060204" pitchFamily="34" charset="0"/>
-                  <a:cs typeface="Leelawadee UI Semilight" panose="020B0402040204020203" pitchFamily="34" charset="-34"/>
-                </a:rPr>
-                <a:t>On</a:t>
-              </a:r>
-            </a:p>
-          </p:txBody>
-        </p:sp>
-        <p:sp>
-          <p:nvSpPr>
-            <p:cNvPr id="10" name="Rechteck 9"/>
-            <p:cNvSpPr/>
-            <p:nvPr/>
-          </p:nvSpPr>
-          <p:spPr>
-            <a:xfrm>
-              <a:off x="7926801" y="3802414"/>
-              <a:ext cx="1316259" cy="828000"/>
-            </a:xfrm>
-            <a:prstGeom prst="rect">
-              <a:avLst/>
-            </a:prstGeom>
-            <a:solidFill>
-              <a:schemeClr val="bg1"/>
-            </a:solidFill>
-            <a:ln>
-              <a:solidFill>
-                <a:schemeClr val="bg2">
-                  <a:lumMod val="90000"/>
-                </a:schemeClr>
-              </a:solidFill>
-            </a:ln>
-          </p:spPr>
-          <p:style>
-            <a:lnRef idx="2">
-              <a:schemeClr val="accent1">
-                <a:shade val="50000"/>
-              </a:schemeClr>
-            </a:lnRef>
-            <a:fillRef idx="1">
-              <a:schemeClr val="accent1"/>
-            </a:fillRef>
-            <a:effectRef idx="0">
-              <a:schemeClr val="accent1"/>
-            </a:effectRef>
-            <a:fontRef idx="minor">
-              <a:schemeClr val="lt1"/>
-            </a:fontRef>
-          </p:style>
-          <p:txBody>
-            <a:bodyPr rtlCol="0" anchor="ctr"/>
-            <a:lstStyle/>
-            <a:p>
-              <a:pPr algn="ctr"/>
-              <a:r>
-                <a:rPr lang="en-GB" sz="1600" b="1" cap="all" dirty="0" smtClean="0">
-                  <a:solidFill>
-                    <a:schemeClr val="tx1"/>
-                  </a:solidFill>
-                  <a:latin typeface="BankGothic Md BT" panose="020B0807020203060204" pitchFamily="34" charset="0"/>
-                  <a:cs typeface="Leelawadee UI Semilight" panose="020B0402040204020203" pitchFamily="34" charset="-34"/>
-                </a:rPr>
-                <a:t>Enabled</a:t>
-              </a:r>
-            </a:p>
-          </p:txBody>
-        </p:sp>
-        <p:sp>
-          <p:nvSpPr>
-            <p:cNvPr id="12" name="Rechteck 11"/>
-            <p:cNvSpPr/>
-            <p:nvPr/>
-          </p:nvSpPr>
-          <p:spPr>
-            <a:xfrm>
-              <a:off x="6505637" y="4666414"/>
-              <a:ext cx="1386836" cy="828000"/>
-            </a:xfrm>
-            <a:prstGeom prst="rect">
-              <a:avLst/>
-            </a:prstGeom>
-            <a:solidFill>
-              <a:schemeClr val="bg1"/>
-            </a:solidFill>
-            <a:ln>
-              <a:solidFill>
-                <a:schemeClr val="bg2">
-                  <a:lumMod val="90000"/>
-                </a:schemeClr>
-              </a:solidFill>
-            </a:ln>
-          </p:spPr>
-          <p:style>
-            <a:lnRef idx="2">
-              <a:schemeClr val="accent1">
-                <a:shade val="50000"/>
-              </a:schemeClr>
-            </a:lnRef>
-            <a:fillRef idx="1">
-              <a:schemeClr val="accent1"/>
-            </a:fillRef>
-            <a:effectRef idx="0">
-              <a:schemeClr val="accent1"/>
-            </a:effectRef>
-            <a:fontRef idx="minor">
-              <a:schemeClr val="lt1"/>
-            </a:fontRef>
-          </p:style>
-          <p:txBody>
-            <a:bodyPr rtlCol="0" anchor="ctr"/>
-            <a:lstStyle/>
-            <a:p>
-              <a:pPr algn="ctr"/>
-              <a:r>
-                <a:rPr lang="en-GB" sz="1600" b="1" cap="all" dirty="0" smtClean="0">
-                  <a:solidFill>
-                    <a:schemeClr val="tx1"/>
-                  </a:solidFill>
-                  <a:latin typeface="BankGothic Md BT" panose="020B0807020203060204" pitchFamily="34" charset="0"/>
-                  <a:cs typeface="Leelawadee UI Semilight" panose="020B0402040204020203" pitchFamily="34" charset="-34"/>
-                </a:rPr>
-                <a:t>Trajectory</a:t>
-              </a:r>
-            </a:p>
-            <a:p>
-              <a:pPr algn="ctr"/>
-              <a:r>
-                <a:rPr lang="en-GB" sz="1600" b="1" cap="all" dirty="0" smtClean="0">
-                  <a:solidFill>
-                    <a:schemeClr val="tx1"/>
-                  </a:solidFill>
-                  <a:latin typeface="BankGothic Md BT" panose="020B0807020203060204" pitchFamily="34" charset="0"/>
-                  <a:cs typeface="Leelawadee UI Semilight" panose="020B0402040204020203" pitchFamily="34" charset="-34"/>
-                </a:rPr>
-                <a:t>MODE</a:t>
-              </a:r>
-            </a:p>
-          </p:txBody>
-        </p:sp>
-        <p:sp>
-          <p:nvSpPr>
-            <p:cNvPr id="13" name="Rechteck 12"/>
-            <p:cNvSpPr/>
-            <p:nvPr/>
-          </p:nvSpPr>
-          <p:spPr>
-            <a:xfrm>
-              <a:off x="7926801" y="4666414"/>
-              <a:ext cx="1316259" cy="828000"/>
-            </a:xfrm>
-            <a:prstGeom prst="rect">
-              <a:avLst/>
-            </a:prstGeom>
-            <a:solidFill>
-              <a:schemeClr val="bg1"/>
-            </a:solidFill>
-            <a:ln>
-              <a:solidFill>
-                <a:schemeClr val="bg2">
-                  <a:lumMod val="90000"/>
-                </a:schemeClr>
-              </a:solidFill>
-            </a:ln>
-          </p:spPr>
-          <p:style>
-            <a:lnRef idx="2">
-              <a:schemeClr val="accent1">
-                <a:shade val="50000"/>
-              </a:schemeClr>
-            </a:lnRef>
-            <a:fillRef idx="1">
-              <a:schemeClr val="accent1"/>
-            </a:fillRef>
-            <a:effectRef idx="0">
-              <a:schemeClr val="accent1"/>
-            </a:effectRef>
-            <a:fontRef idx="minor">
-              <a:schemeClr val="lt1"/>
-            </a:fontRef>
-          </p:style>
-          <p:txBody>
-            <a:bodyPr rtlCol="0" anchor="ctr"/>
-            <a:lstStyle/>
-            <a:p>
-              <a:pPr algn="ctr"/>
-              <a:r>
-                <a:rPr lang="en-GB" sz="1600" b="1" cap="all" dirty="0" smtClean="0">
-                  <a:solidFill>
-                    <a:schemeClr val="tx1"/>
-                  </a:solidFill>
-                  <a:latin typeface="BankGothic Md BT" panose="020B0807020203060204" pitchFamily="34" charset="0"/>
-                  <a:cs typeface="Leelawadee UI Semilight" panose="020B0402040204020203" pitchFamily="34" charset="-34"/>
-                </a:rPr>
-                <a:t>Pose </a:t>
-              </a:r>
-            </a:p>
-            <a:p>
-              <a:pPr algn="ctr"/>
-              <a:r>
-                <a:rPr lang="en-GB" sz="1600" b="1" cap="all" dirty="0" smtClean="0">
-                  <a:solidFill>
-                    <a:schemeClr val="tx1"/>
-                  </a:solidFill>
-                  <a:latin typeface="BankGothic Md BT" panose="020B0807020203060204" pitchFamily="34" charset="0"/>
-                  <a:cs typeface="Leelawadee UI Semilight" panose="020B0402040204020203" pitchFamily="34" charset="-34"/>
-                </a:rPr>
-                <a:t>sample</a:t>
-              </a:r>
-              <a:endParaRPr lang="en-GB" sz="1600" b="1" cap="all" dirty="0">
-                <a:solidFill>
-                  <a:schemeClr val="tx1"/>
-                </a:solidFill>
-                <a:latin typeface="BankGothic Md BT" panose="020B0807020203060204" pitchFamily="34" charset="0"/>
-                <a:cs typeface="Leelawadee UI Semilight" panose="020B0402040204020203" pitchFamily="34" charset="-34"/>
-              </a:endParaRPr>
-            </a:p>
-          </p:txBody>
-        </p:sp>
-        <p:sp>
-          <p:nvSpPr>
-            <p:cNvPr id="15" name="Rechteck 14"/>
-            <p:cNvSpPr/>
-            <p:nvPr/>
-          </p:nvSpPr>
-          <p:spPr>
-            <a:xfrm>
-              <a:off x="6505637" y="5530414"/>
-              <a:ext cx="1386836" cy="828000"/>
-            </a:xfrm>
-            <a:prstGeom prst="rect">
-              <a:avLst/>
-            </a:prstGeom>
-            <a:solidFill>
-              <a:schemeClr val="bg1"/>
-            </a:solidFill>
-            <a:ln>
-              <a:solidFill>
-                <a:schemeClr val="bg2">
-                  <a:lumMod val="90000"/>
-                </a:schemeClr>
-              </a:solidFill>
-            </a:ln>
-          </p:spPr>
-          <p:style>
-            <a:lnRef idx="2">
-              <a:schemeClr val="accent1">
-                <a:shade val="50000"/>
-              </a:schemeClr>
-            </a:lnRef>
-            <a:fillRef idx="1">
-              <a:schemeClr val="accent1"/>
-            </a:fillRef>
-            <a:effectRef idx="0">
-              <a:schemeClr val="accent1"/>
-            </a:effectRef>
-            <a:fontRef idx="minor">
-              <a:schemeClr val="lt1"/>
-            </a:fontRef>
-          </p:style>
-          <p:txBody>
-            <a:bodyPr rtlCol="0" anchor="ctr"/>
-            <a:lstStyle/>
-            <a:p>
-              <a:pPr algn="ctr"/>
-              <a:r>
-                <a:rPr lang="en-GB" sz="1600" b="1" cap="all" dirty="0" smtClean="0">
-                  <a:solidFill>
-                    <a:schemeClr val="tx1"/>
-                  </a:solidFill>
-                  <a:latin typeface="BankGothic Md BT" panose="020B0807020203060204" pitchFamily="34" charset="0"/>
-                  <a:cs typeface="Leelawadee UI Semilight" panose="020B0402040204020203" pitchFamily="34" charset="-34"/>
-                </a:rPr>
-                <a:t>Control</a:t>
-              </a:r>
-            </a:p>
-            <a:p>
-              <a:pPr algn="ctr"/>
-              <a:r>
-                <a:rPr lang="en-GB" sz="1600" b="1" cap="all" dirty="0" smtClean="0">
-                  <a:solidFill>
-                    <a:schemeClr val="tx1"/>
-                  </a:solidFill>
-                  <a:latin typeface="BankGothic Md BT" panose="020B0807020203060204" pitchFamily="34" charset="0"/>
-                  <a:cs typeface="Leelawadee UI Semilight" panose="020B0402040204020203" pitchFamily="34" charset="-34"/>
-                </a:rPr>
-                <a:t>MODE</a:t>
-              </a:r>
-              <a:endParaRPr lang="en-GB" sz="1600" b="1" cap="all" dirty="0">
-                <a:solidFill>
-                  <a:schemeClr val="tx1"/>
-                </a:solidFill>
-                <a:latin typeface="BankGothic Md BT" panose="020B0807020203060204" pitchFamily="34" charset="0"/>
-                <a:cs typeface="Leelawadee UI Semilight" panose="020B0402040204020203" pitchFamily="34" charset="-34"/>
-              </a:endParaRPr>
-            </a:p>
-          </p:txBody>
-        </p:sp>
-        <p:sp>
-          <p:nvSpPr>
-            <p:cNvPr id="16" name="Rechteck 15"/>
-            <p:cNvSpPr/>
-            <p:nvPr/>
-          </p:nvSpPr>
-          <p:spPr>
-            <a:xfrm>
-              <a:off x="7926801" y="5530414"/>
-              <a:ext cx="1316259" cy="828000"/>
-            </a:xfrm>
-            <a:prstGeom prst="rect">
-              <a:avLst/>
-            </a:prstGeom>
-            <a:solidFill>
-              <a:schemeClr val="bg1"/>
-            </a:solidFill>
-            <a:ln>
-              <a:solidFill>
-                <a:schemeClr val="bg2">
-                  <a:lumMod val="90000"/>
-                </a:schemeClr>
-              </a:solidFill>
-            </a:ln>
-          </p:spPr>
-          <p:style>
-            <a:lnRef idx="2">
-              <a:schemeClr val="accent1">
-                <a:shade val="50000"/>
-              </a:schemeClr>
-            </a:lnRef>
-            <a:fillRef idx="1">
-              <a:schemeClr val="accent1"/>
-            </a:fillRef>
-            <a:effectRef idx="0">
-              <a:schemeClr val="accent1"/>
-            </a:effectRef>
-            <a:fontRef idx="minor">
-              <a:schemeClr val="lt1"/>
-            </a:fontRef>
-          </p:style>
-          <p:txBody>
-            <a:bodyPr rtlCol="0" anchor="ctr"/>
-            <a:lstStyle/>
-            <a:p>
-              <a:pPr algn="ctr"/>
-              <a:r>
-                <a:rPr lang="en-GB" sz="1600" b="1" cap="all" dirty="0" smtClean="0">
-                  <a:solidFill>
-                    <a:schemeClr val="tx1"/>
-                  </a:solidFill>
-                  <a:latin typeface="BankGothic Md BT" panose="020B0807020203060204" pitchFamily="34" charset="0"/>
-                  <a:cs typeface="Leelawadee UI Semilight" panose="020B0402040204020203" pitchFamily="34" charset="-34"/>
-                </a:rPr>
-                <a:t>AMOK </a:t>
-              </a:r>
-            </a:p>
-            <a:p>
-              <a:pPr algn="ctr"/>
-              <a:r>
-                <a:rPr lang="en-GB" sz="1600" b="1" cap="all" dirty="0" smtClean="0">
-                  <a:solidFill>
-                    <a:schemeClr val="tx1"/>
-                  </a:solidFill>
-                  <a:latin typeface="BankGothic Md BT" panose="020B0807020203060204" pitchFamily="34" charset="0"/>
-                  <a:cs typeface="Leelawadee UI Semilight" panose="020B0402040204020203" pitchFamily="34" charset="-34"/>
-                </a:rPr>
-                <a:t>Mode</a:t>
-              </a:r>
-              <a:endParaRPr lang="en-GB" sz="1600" b="1" cap="all" dirty="0">
-                <a:solidFill>
-                  <a:schemeClr val="tx1"/>
-                </a:solidFill>
-                <a:latin typeface="BankGothic Md BT" panose="020B0807020203060204" pitchFamily="34" charset="0"/>
-                <a:cs typeface="Leelawadee UI Semilight" panose="020B0402040204020203" pitchFamily="34" charset="-34"/>
-              </a:endParaRPr>
-            </a:p>
-          </p:txBody>
-        </p:sp>
-        <p:sp>
-          <p:nvSpPr>
-            <p:cNvPr id="18" name="Rechteck 17"/>
-            <p:cNvSpPr/>
-            <p:nvPr/>
-          </p:nvSpPr>
-          <p:spPr>
-            <a:xfrm>
-              <a:off x="6505637" y="6394414"/>
-              <a:ext cx="1386836" cy="828000"/>
-            </a:xfrm>
-            <a:prstGeom prst="rect">
-              <a:avLst/>
-            </a:prstGeom>
-            <a:solidFill>
-              <a:schemeClr val="bg1"/>
-            </a:solidFill>
-            <a:ln>
-              <a:solidFill>
-                <a:schemeClr val="bg2">
-                  <a:lumMod val="90000"/>
-                </a:schemeClr>
-              </a:solidFill>
-            </a:ln>
-          </p:spPr>
-          <p:style>
-            <a:lnRef idx="2">
-              <a:schemeClr val="accent1">
-                <a:shade val="50000"/>
-              </a:schemeClr>
-            </a:lnRef>
-            <a:fillRef idx="1">
-              <a:schemeClr val="accent1"/>
-            </a:fillRef>
-            <a:effectRef idx="0">
-              <a:schemeClr val="accent1"/>
-            </a:effectRef>
-            <a:fontRef idx="minor">
-              <a:schemeClr val="lt1"/>
-            </a:fontRef>
-          </p:style>
-          <p:txBody>
-            <a:bodyPr rtlCol="0" anchor="ctr"/>
-            <a:lstStyle/>
-            <a:p>
-              <a:pPr algn="ctr"/>
-              <a:r>
-                <a:rPr lang="en-GB" sz="1600" b="1" cap="all" dirty="0" smtClean="0">
-                  <a:solidFill>
-                    <a:schemeClr val="tx1"/>
-                  </a:solidFill>
-                  <a:latin typeface="BankGothic Md BT" panose="020B0807020203060204" pitchFamily="34" charset="0"/>
-                  <a:cs typeface="Leelawadee UI Semilight" panose="020B0402040204020203" pitchFamily="34" charset="-34"/>
-                </a:rPr>
-                <a:t>Shoulder</a:t>
-              </a:r>
-            </a:p>
-          </p:txBody>
-        </p:sp>
-        <p:sp>
-          <p:nvSpPr>
-            <p:cNvPr id="19" name="Rechteck 18"/>
-            <p:cNvSpPr/>
-            <p:nvPr/>
-          </p:nvSpPr>
-          <p:spPr>
-            <a:xfrm>
-              <a:off x="7926801" y="6394414"/>
-              <a:ext cx="1316259" cy="828000"/>
-            </a:xfrm>
-            <a:prstGeom prst="rect">
-              <a:avLst/>
-            </a:prstGeom>
-            <a:solidFill>
-              <a:schemeClr val="bg1"/>
-            </a:solidFill>
-            <a:ln>
-              <a:solidFill>
-                <a:schemeClr val="bg2">
-                  <a:lumMod val="90000"/>
-                </a:schemeClr>
-              </a:solidFill>
-            </a:ln>
-          </p:spPr>
-          <p:style>
-            <a:lnRef idx="2">
-              <a:schemeClr val="accent1">
-                <a:shade val="50000"/>
-              </a:schemeClr>
-            </a:lnRef>
-            <a:fillRef idx="1">
-              <a:schemeClr val="accent1"/>
-            </a:fillRef>
-            <a:effectRef idx="0">
-              <a:schemeClr val="accent1"/>
-            </a:effectRef>
-            <a:fontRef idx="minor">
-              <a:schemeClr val="lt1"/>
-            </a:fontRef>
-          </p:style>
-          <p:txBody>
-            <a:bodyPr rtlCol="0" anchor="ctr"/>
-            <a:lstStyle/>
-            <a:p>
-              <a:pPr algn="ctr"/>
-              <a:r>
-                <a:rPr lang="en-GB" sz="1600" b="1" cap="all" dirty="0" smtClean="0">
-                  <a:solidFill>
-                    <a:schemeClr val="tx1"/>
-                  </a:solidFill>
-                  <a:latin typeface="BankGothic Md BT" panose="020B0807020203060204" pitchFamily="34" charset="0"/>
-                  <a:cs typeface="Leelawadee UI Semilight" panose="020B0402040204020203" pitchFamily="34" charset="-34"/>
-                </a:rPr>
-                <a:t>Upper arm</a:t>
-              </a:r>
-            </a:p>
-          </p:txBody>
-        </p:sp>
-        <p:sp>
-          <p:nvSpPr>
-            <p:cNvPr id="22" name="Rechteck 21"/>
-            <p:cNvSpPr/>
-            <p:nvPr/>
-          </p:nvSpPr>
-          <p:spPr>
-            <a:xfrm>
-              <a:off x="6505637" y="7258414"/>
-              <a:ext cx="1386836" cy="828000"/>
-            </a:xfrm>
-            <a:prstGeom prst="rect">
-              <a:avLst/>
-            </a:prstGeom>
-            <a:solidFill>
-              <a:schemeClr val="bg1"/>
-            </a:solidFill>
-            <a:ln>
-              <a:solidFill>
-                <a:schemeClr val="bg2">
-                  <a:lumMod val="90000"/>
-                </a:schemeClr>
-              </a:solidFill>
-            </a:ln>
-          </p:spPr>
-          <p:style>
-            <a:lnRef idx="2">
-              <a:schemeClr val="accent1">
-                <a:shade val="50000"/>
-              </a:schemeClr>
-            </a:lnRef>
-            <a:fillRef idx="1">
-              <a:schemeClr val="accent1"/>
-            </a:fillRef>
-            <a:effectRef idx="0">
-              <a:schemeClr val="accent1"/>
-            </a:effectRef>
-            <a:fontRef idx="minor">
-              <a:schemeClr val="lt1"/>
-            </a:fontRef>
-          </p:style>
-          <p:txBody>
-            <a:bodyPr rtlCol="0" anchor="ctr"/>
-            <a:lstStyle/>
-            <a:p>
-              <a:pPr algn="ctr"/>
-              <a:r>
-                <a:rPr lang="en-GB" sz="1600" b="1" cap="all" dirty="0" smtClean="0">
-                  <a:solidFill>
-                    <a:schemeClr val="tx1"/>
-                  </a:solidFill>
-                  <a:latin typeface="BankGothic Md BT" panose="020B0807020203060204" pitchFamily="34" charset="0"/>
-                  <a:cs typeface="Leelawadee UI Semilight" panose="020B0402040204020203" pitchFamily="34" charset="-34"/>
-                </a:rPr>
-                <a:t>Forearm</a:t>
-              </a:r>
-            </a:p>
-          </p:txBody>
-        </p:sp>
-        <p:sp>
-          <p:nvSpPr>
-            <p:cNvPr id="23" name="Rechteck 22"/>
-            <p:cNvSpPr/>
-            <p:nvPr/>
-          </p:nvSpPr>
-          <p:spPr>
-            <a:xfrm>
-              <a:off x="7926801" y="7258414"/>
-              <a:ext cx="1316259" cy="828000"/>
-            </a:xfrm>
-            <a:prstGeom prst="rect">
-              <a:avLst/>
-            </a:prstGeom>
-            <a:solidFill>
-              <a:schemeClr val="bg1"/>
-            </a:solidFill>
-            <a:ln>
-              <a:solidFill>
-                <a:schemeClr val="bg2">
-                  <a:lumMod val="90000"/>
-                </a:schemeClr>
-              </a:solidFill>
-            </a:ln>
-          </p:spPr>
-          <p:style>
-            <a:lnRef idx="2">
-              <a:schemeClr val="accent1">
-                <a:shade val="50000"/>
-              </a:schemeClr>
-            </a:lnRef>
-            <a:fillRef idx="1">
-              <a:schemeClr val="accent1"/>
-            </a:fillRef>
-            <a:effectRef idx="0">
-              <a:schemeClr val="accent1"/>
-            </a:effectRef>
-            <a:fontRef idx="minor">
-              <a:schemeClr val="lt1"/>
-            </a:fontRef>
-          </p:style>
-          <p:txBody>
-            <a:bodyPr rtlCol="0" anchor="ctr"/>
-            <a:lstStyle/>
-            <a:p>
-              <a:pPr algn="ctr"/>
-              <a:r>
-                <a:rPr lang="en-GB" sz="1600" b="1" cap="all" dirty="0" smtClean="0">
-                  <a:solidFill>
-                    <a:schemeClr val="tx1"/>
-                  </a:solidFill>
-                  <a:latin typeface="BankGothic Md BT" panose="020B0807020203060204" pitchFamily="34" charset="0"/>
-                  <a:cs typeface="Leelawadee UI Semilight" panose="020B0402040204020203" pitchFamily="34" charset="-34"/>
-                </a:rPr>
-                <a:t>Elbow</a:t>
-              </a:r>
-            </a:p>
-          </p:txBody>
-        </p:sp>
-        <p:sp>
-          <p:nvSpPr>
-            <p:cNvPr id="25" name="Rechteck 24"/>
-            <p:cNvSpPr/>
-            <p:nvPr/>
-          </p:nvSpPr>
-          <p:spPr>
-            <a:xfrm>
-              <a:off x="6505637" y="8122414"/>
-              <a:ext cx="1386836" cy="828000"/>
-            </a:xfrm>
-            <a:prstGeom prst="rect">
-              <a:avLst/>
-            </a:prstGeom>
-            <a:solidFill>
-              <a:schemeClr val="bg1"/>
-            </a:solidFill>
-            <a:ln>
-              <a:solidFill>
-                <a:schemeClr val="bg2">
-                  <a:lumMod val="90000"/>
-                </a:schemeClr>
-              </a:solidFill>
-            </a:ln>
-          </p:spPr>
-          <p:style>
-            <a:lnRef idx="2">
-              <a:schemeClr val="accent1">
-                <a:shade val="50000"/>
-              </a:schemeClr>
-            </a:lnRef>
-            <a:fillRef idx="1">
-              <a:schemeClr val="accent1"/>
-            </a:fillRef>
-            <a:effectRef idx="0">
-              <a:schemeClr val="accent1"/>
-            </a:effectRef>
-            <a:fontRef idx="minor">
-              <a:schemeClr val="lt1"/>
-            </a:fontRef>
-          </p:style>
-          <p:txBody>
-            <a:bodyPr rtlCol="0" anchor="ctr"/>
-            <a:lstStyle/>
-            <a:p>
-              <a:pPr algn="ctr"/>
-              <a:r>
-                <a:rPr lang="en-GB" sz="1600" b="1" cap="all" dirty="0" smtClean="0">
-                  <a:solidFill>
-                    <a:schemeClr val="tx1"/>
-                  </a:solidFill>
-                  <a:latin typeface="BankGothic Md BT" panose="020B0807020203060204" pitchFamily="34" charset="0"/>
-                  <a:cs typeface="Leelawadee UI Semilight" panose="020B0402040204020203" pitchFamily="34" charset="-34"/>
-                </a:rPr>
-                <a:t>Wrist</a:t>
-              </a:r>
-            </a:p>
-          </p:txBody>
-        </p:sp>
-        <p:sp>
-          <p:nvSpPr>
-            <p:cNvPr id="26" name="Rechteck 25"/>
-            <p:cNvSpPr/>
-            <p:nvPr/>
-          </p:nvSpPr>
-          <p:spPr>
-            <a:xfrm>
-              <a:off x="7926801" y="8122414"/>
-              <a:ext cx="1316259" cy="828000"/>
-            </a:xfrm>
-            <a:prstGeom prst="rect">
-              <a:avLst/>
-            </a:prstGeom>
-            <a:solidFill>
-              <a:schemeClr val="bg1"/>
-            </a:solidFill>
-            <a:ln>
-              <a:solidFill>
-                <a:schemeClr val="bg2">
-                  <a:lumMod val="90000"/>
-                </a:schemeClr>
-              </a:solidFill>
-            </a:ln>
-          </p:spPr>
-          <p:style>
-            <a:lnRef idx="2">
-              <a:schemeClr val="accent1">
-                <a:shade val="50000"/>
-              </a:schemeClr>
-            </a:lnRef>
-            <a:fillRef idx="1">
-              <a:schemeClr val="accent1"/>
-            </a:fillRef>
-            <a:effectRef idx="0">
-              <a:schemeClr val="accent1"/>
-            </a:effectRef>
-            <a:fontRef idx="minor">
-              <a:schemeClr val="lt1"/>
-            </a:fontRef>
-          </p:style>
-          <p:txBody>
-            <a:bodyPr rtlCol="0" anchor="ctr"/>
-            <a:lstStyle/>
-            <a:p>
-              <a:pPr algn="ctr"/>
-              <a:r>
-                <a:rPr lang="en-GB" sz="1600" b="1" cap="all" dirty="0" smtClean="0">
-                  <a:solidFill>
-                    <a:schemeClr val="tx1"/>
-                  </a:solidFill>
-                  <a:latin typeface="BankGothic Md BT" panose="020B0807020203060204" pitchFamily="34" charset="0"/>
-                  <a:cs typeface="Leelawadee UI Semilight" panose="020B0402040204020203" pitchFamily="34" charset="-34"/>
-                </a:rPr>
-                <a:t>Hand</a:t>
-              </a:r>
-            </a:p>
-          </p:txBody>
-        </p:sp>
-        <p:sp>
-          <p:nvSpPr>
-            <p:cNvPr id="28" name="Rechteck 27"/>
-            <p:cNvSpPr/>
-            <p:nvPr/>
-          </p:nvSpPr>
-          <p:spPr>
-            <a:xfrm>
-              <a:off x="6505637" y="8986414"/>
-              <a:ext cx="1386836" cy="828000"/>
-            </a:xfrm>
-            <a:prstGeom prst="rect">
-              <a:avLst/>
-            </a:prstGeom>
-            <a:solidFill>
-              <a:schemeClr val="bg1"/>
-            </a:solidFill>
-            <a:ln>
-              <a:solidFill>
-                <a:schemeClr val="bg2">
-                  <a:lumMod val="90000"/>
-                </a:schemeClr>
-              </a:solidFill>
-            </a:ln>
-          </p:spPr>
-          <p:style>
-            <a:lnRef idx="2">
-              <a:schemeClr val="accent1">
-                <a:shade val="50000"/>
-              </a:schemeClr>
-            </a:lnRef>
-            <a:fillRef idx="1">
-              <a:schemeClr val="accent1"/>
-            </a:fillRef>
-            <a:effectRef idx="0">
-              <a:schemeClr val="accent1"/>
-            </a:effectRef>
-            <a:fontRef idx="minor">
-              <a:schemeClr val="lt1"/>
-            </a:fontRef>
-          </p:style>
-          <p:txBody>
-            <a:bodyPr rtlCol="0" anchor="ctr"/>
-            <a:lstStyle/>
-            <a:p>
-              <a:pPr algn="ctr"/>
-              <a:r>
-                <a:rPr lang="en-GB" sz="1600" b="1" cap="all" dirty="0" smtClean="0">
-                  <a:solidFill>
-                    <a:schemeClr val="tx1"/>
-                  </a:solidFill>
-                  <a:latin typeface="BankGothic Md BT" panose="020B0807020203060204" pitchFamily="34" charset="0"/>
-                  <a:cs typeface="Leelawadee UI Semilight" panose="020B0402040204020203" pitchFamily="34" charset="-34"/>
-                </a:rPr>
-                <a:t>Finger</a:t>
-              </a:r>
-            </a:p>
-          </p:txBody>
-        </p:sp>
-        <p:sp>
-          <p:nvSpPr>
-            <p:cNvPr id="29" name="Rechteck 28"/>
-            <p:cNvSpPr/>
-            <p:nvPr/>
-          </p:nvSpPr>
-          <p:spPr>
-            <a:xfrm>
-              <a:off x="7926801" y="8986414"/>
-              <a:ext cx="1316259" cy="828000"/>
-            </a:xfrm>
-            <a:prstGeom prst="rect">
-              <a:avLst/>
-            </a:prstGeom>
-            <a:solidFill>
-              <a:schemeClr val="bg1"/>
-            </a:solidFill>
-            <a:ln>
-              <a:solidFill>
-                <a:schemeClr val="bg2">
-                  <a:lumMod val="90000"/>
-                </a:schemeClr>
-              </a:solidFill>
-            </a:ln>
-          </p:spPr>
-          <p:style>
-            <a:lnRef idx="2">
-              <a:schemeClr val="accent1">
-                <a:shade val="50000"/>
-              </a:schemeClr>
-            </a:lnRef>
-            <a:fillRef idx="1">
-              <a:schemeClr val="accent1"/>
-            </a:fillRef>
-            <a:effectRef idx="0">
-              <a:schemeClr val="accent1"/>
-            </a:effectRef>
-            <a:fontRef idx="minor">
-              <a:schemeClr val="lt1"/>
-            </a:fontRef>
-          </p:style>
-          <p:txBody>
-            <a:bodyPr rtlCol="0" anchor="ctr"/>
-            <a:lstStyle/>
-            <a:p>
-              <a:pPr algn="ctr"/>
-              <a:r>
-                <a:rPr lang="en-GB" sz="1600" b="1" cap="all" dirty="0" smtClean="0">
-                  <a:solidFill>
-                    <a:schemeClr val="tx1"/>
-                  </a:solidFill>
-                  <a:latin typeface="BankGothic Md BT" panose="020B0807020203060204" pitchFamily="34" charset="0"/>
-                  <a:cs typeface="Leelawadee UI Semilight" panose="020B0402040204020203" pitchFamily="34" charset="-34"/>
-                </a:rPr>
-                <a:t>Broken light</a:t>
-              </a:r>
-              <a:endParaRPr lang="en-GB" sz="1600" b="1" cap="all" dirty="0">
-                <a:solidFill>
-                  <a:schemeClr val="tx1"/>
-                </a:solidFill>
-                <a:latin typeface="BankGothic Md BT" panose="020B0807020203060204" pitchFamily="34" charset="0"/>
-                <a:cs typeface="Leelawadee UI Semilight" panose="020B0402040204020203" pitchFamily="34" charset="-34"/>
-              </a:endParaRPr>
-            </a:p>
-          </p:txBody>
-        </p:sp>
-      </p:grpSp>
-      <p:cxnSp>
-        <p:nvCxnSpPr>
-          <p:cNvPr id="11" name="Gerader Verbinder 10"/>
-          <p:cNvCxnSpPr>
-            <a:cxnSpLocks/>
-          </p:cNvCxnSpPr>
-          <p:nvPr/>
-        </p:nvCxnSpPr>
+        </p:nvSpPr>
         <p:spPr>
           <a:xfrm>
-            <a:off x="2733622" y="1758007"/>
-            <a:ext cx="4187700" cy="0"/>
+            <a:off x="4838087" y="1794007"/>
+            <a:ext cx="1961968" cy="1114528"/>
           </a:xfrm>
-          <a:prstGeom prst="line">
+          <a:prstGeom prst="rect">
             <a:avLst/>
           </a:prstGeom>
+          <a:noFill/>
+          <a:ln>
+            <a:noFill/>
+          </a:ln>
         </p:spPr>
         <p:style>
-          <a:lnRef idx="1">
-            <a:schemeClr val="accent1"/>
+          <a:lnRef idx="2">
+            <a:schemeClr val="accent1">
+              <a:shade val="50000"/>
+            </a:schemeClr>
           </a:lnRef>
-          <a:fillRef idx="0">
+          <a:fillRef idx="1">
             <a:schemeClr val="accent1"/>
           </a:fillRef>
           <a:effectRef idx="0">
             <a:schemeClr val="accent1"/>
           </a:effectRef>
           <a:fontRef idx="minor">
-            <a:schemeClr val="tx1"/>
+            <a:schemeClr val="lt1"/>
           </a:fontRef>
         </p:style>
-      </p:cxnSp>
+        <p:txBody>
+          <a:bodyPr rtlCol="0" anchor="ctr"/>
+          <a:lstStyle/>
+          <a:p>
+            <a:pPr algn="ctr"/>
+            <a:r>
+              <a:rPr lang="en-GB" sz="1700" b="1" cap="all" dirty="0" smtClean="0">
+                <a:solidFill>
+                  <a:schemeClr val="tx1"/>
+                </a:solidFill>
+                <a:latin typeface="BankGothic Md BT" panose="020B0807020203060204" pitchFamily="34" charset="0"/>
+                <a:cs typeface="Leelawadee UI Semilight" panose="020B0402040204020203" pitchFamily="34" charset="-34"/>
+              </a:rPr>
+              <a:t>Setup</a:t>
+            </a:r>
+          </a:p>
+        </p:txBody>
+      </p:sp>
+      <p:sp>
+        <p:nvSpPr>
+          <p:cNvPr id="9" name="Rechteck 8"/>
+          <p:cNvSpPr/>
+          <p:nvPr/>
+        </p:nvSpPr>
+        <p:spPr>
+          <a:xfrm>
+            <a:off x="2769625" y="2956993"/>
+            <a:ext cx="2067167" cy="1114528"/>
+          </a:xfrm>
+          <a:prstGeom prst="rect">
+            <a:avLst/>
+          </a:prstGeom>
+          <a:noFill/>
+          <a:ln>
+            <a:noFill/>
+          </a:ln>
+        </p:spPr>
+        <p:style>
+          <a:lnRef idx="2">
+            <a:schemeClr val="accent1">
+              <a:shade val="50000"/>
+            </a:schemeClr>
+          </a:lnRef>
+          <a:fillRef idx="1">
+            <a:schemeClr val="accent1"/>
+          </a:fillRef>
+          <a:effectRef idx="0">
+            <a:schemeClr val="accent1"/>
+          </a:effectRef>
+          <a:fontRef idx="minor">
+            <a:schemeClr val="lt1"/>
+          </a:fontRef>
+        </p:style>
+        <p:txBody>
+          <a:bodyPr rtlCol="0" anchor="ctr"/>
+          <a:lstStyle/>
+          <a:p>
+            <a:pPr algn="ctr"/>
+            <a:r>
+              <a:rPr lang="en-GB" sz="1700" b="1" cap="all" dirty="0" smtClean="0">
+                <a:solidFill>
+                  <a:schemeClr val="tx1"/>
+                </a:solidFill>
+                <a:latin typeface="BankGothic Md BT" panose="020B0807020203060204" pitchFamily="34" charset="0"/>
+                <a:cs typeface="Leelawadee UI Semilight" panose="020B0402040204020203" pitchFamily="34" charset="-34"/>
+              </a:rPr>
+              <a:t>Power</a:t>
+            </a:r>
+          </a:p>
+          <a:p>
+            <a:pPr algn="ctr"/>
+            <a:r>
+              <a:rPr lang="en-GB" sz="1700" b="1" cap="all" dirty="0" smtClean="0">
+                <a:solidFill>
+                  <a:schemeClr val="tx1"/>
+                </a:solidFill>
+                <a:latin typeface="BankGothic Md BT" panose="020B0807020203060204" pitchFamily="34" charset="0"/>
+                <a:cs typeface="Leelawadee UI Semilight" panose="020B0402040204020203" pitchFamily="34" charset="-34"/>
+              </a:rPr>
+              <a:t>On</a:t>
+            </a:r>
+          </a:p>
+        </p:txBody>
+      </p:sp>
+      <p:sp>
+        <p:nvSpPr>
+          <p:cNvPr id="10" name="Rechteck 9"/>
+          <p:cNvSpPr/>
+          <p:nvPr/>
+        </p:nvSpPr>
+        <p:spPr>
+          <a:xfrm>
+            <a:off x="4838087" y="2956993"/>
+            <a:ext cx="1961968" cy="1114528"/>
+          </a:xfrm>
+          <a:prstGeom prst="rect">
+            <a:avLst/>
+          </a:prstGeom>
+          <a:noFill/>
+          <a:ln>
+            <a:noFill/>
+          </a:ln>
+        </p:spPr>
+        <p:style>
+          <a:lnRef idx="2">
+            <a:schemeClr val="accent1">
+              <a:shade val="50000"/>
+            </a:schemeClr>
+          </a:lnRef>
+          <a:fillRef idx="1">
+            <a:schemeClr val="accent1"/>
+          </a:fillRef>
+          <a:effectRef idx="0">
+            <a:schemeClr val="accent1"/>
+          </a:effectRef>
+          <a:fontRef idx="minor">
+            <a:schemeClr val="lt1"/>
+          </a:fontRef>
+        </p:style>
+        <p:txBody>
+          <a:bodyPr rtlCol="0" anchor="ctr"/>
+          <a:lstStyle/>
+          <a:p>
+            <a:pPr algn="ctr"/>
+            <a:r>
+              <a:rPr lang="en-GB" sz="1700" b="1" cap="all" dirty="0" smtClean="0">
+                <a:solidFill>
+                  <a:schemeClr val="tx1"/>
+                </a:solidFill>
+                <a:latin typeface="BankGothic Md BT" panose="020B0807020203060204" pitchFamily="34" charset="0"/>
+                <a:cs typeface="Leelawadee UI Semilight" panose="020B0402040204020203" pitchFamily="34" charset="-34"/>
+              </a:rPr>
+              <a:t>Enabled</a:t>
+            </a:r>
+          </a:p>
+        </p:txBody>
+      </p:sp>
+      <p:sp>
+        <p:nvSpPr>
+          <p:cNvPr id="12" name="Rechteck 11"/>
+          <p:cNvSpPr/>
+          <p:nvPr/>
+        </p:nvSpPr>
+        <p:spPr>
+          <a:xfrm>
+            <a:off x="2769625" y="4119979"/>
+            <a:ext cx="2067167" cy="1114528"/>
+          </a:xfrm>
+          <a:prstGeom prst="rect">
+            <a:avLst/>
+          </a:prstGeom>
+          <a:noFill/>
+          <a:ln>
+            <a:noFill/>
+          </a:ln>
+        </p:spPr>
+        <p:style>
+          <a:lnRef idx="2">
+            <a:schemeClr val="accent1">
+              <a:shade val="50000"/>
+            </a:schemeClr>
+          </a:lnRef>
+          <a:fillRef idx="1">
+            <a:schemeClr val="accent1"/>
+          </a:fillRef>
+          <a:effectRef idx="0">
+            <a:schemeClr val="accent1"/>
+          </a:effectRef>
+          <a:fontRef idx="minor">
+            <a:schemeClr val="lt1"/>
+          </a:fontRef>
+        </p:style>
+        <p:txBody>
+          <a:bodyPr rtlCol="0" anchor="ctr"/>
+          <a:lstStyle/>
+          <a:p>
+            <a:pPr algn="ctr"/>
+            <a:r>
+              <a:rPr lang="en-GB" sz="1700" b="1" cap="all" dirty="0" smtClean="0">
+                <a:solidFill>
+                  <a:schemeClr val="tx1"/>
+                </a:solidFill>
+                <a:latin typeface="BankGothic Md BT" panose="020B0807020203060204" pitchFamily="34" charset="0"/>
+                <a:cs typeface="Leelawadee UI Semilight" panose="020B0402040204020203" pitchFamily="34" charset="-34"/>
+              </a:rPr>
+              <a:t>Trajectory</a:t>
+            </a:r>
+          </a:p>
+          <a:p>
+            <a:pPr algn="ctr"/>
+            <a:r>
+              <a:rPr lang="en-GB" sz="1700" b="1" cap="all" dirty="0" smtClean="0">
+                <a:solidFill>
+                  <a:schemeClr val="tx1"/>
+                </a:solidFill>
+                <a:latin typeface="BankGothic Md BT" panose="020B0807020203060204" pitchFamily="34" charset="0"/>
+                <a:cs typeface="Leelawadee UI Semilight" panose="020B0402040204020203" pitchFamily="34" charset="-34"/>
+              </a:rPr>
+              <a:t>MODE</a:t>
+            </a:r>
+          </a:p>
+        </p:txBody>
+      </p:sp>
+      <p:sp>
+        <p:nvSpPr>
+          <p:cNvPr id="13" name="Rechteck 12"/>
+          <p:cNvSpPr/>
+          <p:nvPr/>
+        </p:nvSpPr>
+        <p:spPr>
+          <a:xfrm>
+            <a:off x="4838087" y="4119979"/>
+            <a:ext cx="1961968" cy="1114528"/>
+          </a:xfrm>
+          <a:prstGeom prst="rect">
+            <a:avLst/>
+          </a:prstGeom>
+          <a:noFill/>
+          <a:ln>
+            <a:noFill/>
+          </a:ln>
+        </p:spPr>
+        <p:style>
+          <a:lnRef idx="2">
+            <a:schemeClr val="accent1">
+              <a:shade val="50000"/>
+            </a:schemeClr>
+          </a:lnRef>
+          <a:fillRef idx="1">
+            <a:schemeClr val="accent1"/>
+          </a:fillRef>
+          <a:effectRef idx="0">
+            <a:schemeClr val="accent1"/>
+          </a:effectRef>
+          <a:fontRef idx="minor">
+            <a:schemeClr val="lt1"/>
+          </a:fontRef>
+        </p:style>
+        <p:txBody>
+          <a:bodyPr rtlCol="0" anchor="ctr"/>
+          <a:lstStyle/>
+          <a:p>
+            <a:pPr algn="ctr"/>
+            <a:r>
+              <a:rPr lang="en-GB" sz="1700" b="1" cap="all" dirty="0" smtClean="0">
+                <a:solidFill>
+                  <a:schemeClr val="tx1"/>
+                </a:solidFill>
+                <a:latin typeface="BankGothic Md BT" panose="020B0807020203060204" pitchFamily="34" charset="0"/>
+                <a:cs typeface="Leelawadee UI Semilight" panose="020B0402040204020203" pitchFamily="34" charset="-34"/>
+              </a:rPr>
+              <a:t>Pose </a:t>
+            </a:r>
+          </a:p>
+          <a:p>
+            <a:pPr algn="ctr"/>
+            <a:r>
+              <a:rPr lang="en-GB" sz="1700" b="1" cap="all" dirty="0" smtClean="0">
+                <a:solidFill>
+                  <a:schemeClr val="tx1"/>
+                </a:solidFill>
+                <a:latin typeface="BankGothic Md BT" panose="020B0807020203060204" pitchFamily="34" charset="0"/>
+                <a:cs typeface="Leelawadee UI Semilight" panose="020B0402040204020203" pitchFamily="34" charset="-34"/>
+              </a:rPr>
+              <a:t>sample</a:t>
+            </a:r>
+            <a:endParaRPr lang="en-GB" sz="1700" b="1" cap="all" dirty="0">
+              <a:solidFill>
+                <a:schemeClr val="tx1"/>
+              </a:solidFill>
+              <a:latin typeface="BankGothic Md BT" panose="020B0807020203060204" pitchFamily="34" charset="0"/>
+              <a:cs typeface="Leelawadee UI Semilight" panose="020B0402040204020203" pitchFamily="34" charset="-34"/>
+            </a:endParaRPr>
+          </a:p>
+        </p:txBody>
+      </p:sp>
+      <p:sp>
+        <p:nvSpPr>
+          <p:cNvPr id="15" name="Rechteck 14"/>
+          <p:cNvSpPr/>
+          <p:nvPr/>
+        </p:nvSpPr>
+        <p:spPr>
+          <a:xfrm>
+            <a:off x="2769625" y="5282965"/>
+            <a:ext cx="2067167" cy="1114528"/>
+          </a:xfrm>
+          <a:prstGeom prst="rect">
+            <a:avLst/>
+          </a:prstGeom>
+          <a:noFill/>
+          <a:ln>
+            <a:noFill/>
+          </a:ln>
+        </p:spPr>
+        <p:style>
+          <a:lnRef idx="2">
+            <a:schemeClr val="accent1">
+              <a:shade val="50000"/>
+            </a:schemeClr>
+          </a:lnRef>
+          <a:fillRef idx="1">
+            <a:schemeClr val="accent1"/>
+          </a:fillRef>
+          <a:effectRef idx="0">
+            <a:schemeClr val="accent1"/>
+          </a:effectRef>
+          <a:fontRef idx="minor">
+            <a:schemeClr val="lt1"/>
+          </a:fontRef>
+        </p:style>
+        <p:txBody>
+          <a:bodyPr rtlCol="0" anchor="ctr"/>
+          <a:lstStyle/>
+          <a:p>
+            <a:pPr algn="ctr"/>
+            <a:r>
+              <a:rPr lang="en-GB" sz="1700" b="1" cap="all" dirty="0" smtClean="0">
+                <a:solidFill>
+                  <a:schemeClr val="tx1"/>
+                </a:solidFill>
+                <a:latin typeface="BankGothic Md BT" panose="020B0807020203060204" pitchFamily="34" charset="0"/>
+                <a:cs typeface="Leelawadee UI Semilight" panose="020B0402040204020203" pitchFamily="34" charset="-34"/>
+              </a:rPr>
+              <a:t>Control</a:t>
+            </a:r>
+          </a:p>
+          <a:p>
+            <a:pPr algn="ctr"/>
+            <a:r>
+              <a:rPr lang="en-GB" sz="1700" b="1" cap="all" dirty="0" smtClean="0">
+                <a:solidFill>
+                  <a:schemeClr val="tx1"/>
+                </a:solidFill>
+                <a:latin typeface="BankGothic Md BT" panose="020B0807020203060204" pitchFamily="34" charset="0"/>
+                <a:cs typeface="Leelawadee UI Semilight" panose="020B0402040204020203" pitchFamily="34" charset="-34"/>
+              </a:rPr>
+              <a:t>MODE</a:t>
+            </a:r>
+            <a:endParaRPr lang="en-GB" sz="1700" b="1" cap="all" dirty="0">
+              <a:solidFill>
+                <a:schemeClr val="tx1"/>
+              </a:solidFill>
+              <a:latin typeface="BankGothic Md BT" panose="020B0807020203060204" pitchFamily="34" charset="0"/>
+              <a:cs typeface="Leelawadee UI Semilight" panose="020B0402040204020203" pitchFamily="34" charset="-34"/>
+            </a:endParaRPr>
+          </a:p>
+        </p:txBody>
+      </p:sp>
+      <p:sp>
+        <p:nvSpPr>
+          <p:cNvPr id="16" name="Rechteck 15"/>
+          <p:cNvSpPr/>
+          <p:nvPr/>
+        </p:nvSpPr>
+        <p:spPr>
+          <a:xfrm>
+            <a:off x="4838087" y="5282965"/>
+            <a:ext cx="1961968" cy="1114528"/>
+          </a:xfrm>
+          <a:prstGeom prst="rect">
+            <a:avLst/>
+          </a:prstGeom>
+          <a:noFill/>
+          <a:ln>
+            <a:noFill/>
+          </a:ln>
+        </p:spPr>
+        <p:style>
+          <a:lnRef idx="2">
+            <a:schemeClr val="accent1">
+              <a:shade val="50000"/>
+            </a:schemeClr>
+          </a:lnRef>
+          <a:fillRef idx="1">
+            <a:schemeClr val="accent1"/>
+          </a:fillRef>
+          <a:effectRef idx="0">
+            <a:schemeClr val="accent1"/>
+          </a:effectRef>
+          <a:fontRef idx="minor">
+            <a:schemeClr val="lt1"/>
+          </a:fontRef>
+        </p:style>
+        <p:txBody>
+          <a:bodyPr rtlCol="0" anchor="ctr"/>
+          <a:lstStyle/>
+          <a:p>
+            <a:pPr algn="ctr"/>
+            <a:r>
+              <a:rPr lang="en-GB" sz="1700" b="1" cap="all" dirty="0" smtClean="0">
+                <a:solidFill>
+                  <a:schemeClr val="tx1"/>
+                </a:solidFill>
+                <a:latin typeface="BankGothic Md BT" panose="020B0807020203060204" pitchFamily="34" charset="0"/>
+                <a:cs typeface="Leelawadee UI Semilight" panose="020B0402040204020203" pitchFamily="34" charset="-34"/>
+              </a:rPr>
+              <a:t>AMOK </a:t>
+            </a:r>
+          </a:p>
+          <a:p>
+            <a:pPr algn="ctr"/>
+            <a:r>
+              <a:rPr lang="en-GB" sz="1700" b="1" cap="all" dirty="0" smtClean="0">
+                <a:solidFill>
+                  <a:schemeClr val="tx1"/>
+                </a:solidFill>
+                <a:latin typeface="BankGothic Md BT" panose="020B0807020203060204" pitchFamily="34" charset="0"/>
+                <a:cs typeface="Leelawadee UI Semilight" panose="020B0402040204020203" pitchFamily="34" charset="-34"/>
+              </a:rPr>
+              <a:t>Mode</a:t>
+            </a:r>
+            <a:endParaRPr lang="en-GB" sz="1700" b="1" cap="all" dirty="0">
+              <a:solidFill>
+                <a:schemeClr val="tx1"/>
+              </a:solidFill>
+              <a:latin typeface="BankGothic Md BT" panose="020B0807020203060204" pitchFamily="34" charset="0"/>
+              <a:cs typeface="Leelawadee UI Semilight" panose="020B0402040204020203" pitchFamily="34" charset="-34"/>
+            </a:endParaRPr>
+          </a:p>
+        </p:txBody>
+      </p:sp>
+      <p:sp>
+        <p:nvSpPr>
+          <p:cNvPr id="18" name="Rechteck 17"/>
+          <p:cNvSpPr/>
+          <p:nvPr/>
+        </p:nvSpPr>
+        <p:spPr>
+          <a:xfrm>
+            <a:off x="2769625" y="6445951"/>
+            <a:ext cx="2067167" cy="1114528"/>
+          </a:xfrm>
+          <a:prstGeom prst="rect">
+            <a:avLst/>
+          </a:prstGeom>
+          <a:noFill/>
+          <a:ln>
+            <a:noFill/>
+          </a:ln>
+        </p:spPr>
+        <p:style>
+          <a:lnRef idx="2">
+            <a:schemeClr val="accent1">
+              <a:shade val="50000"/>
+            </a:schemeClr>
+          </a:lnRef>
+          <a:fillRef idx="1">
+            <a:schemeClr val="accent1"/>
+          </a:fillRef>
+          <a:effectRef idx="0">
+            <a:schemeClr val="accent1"/>
+          </a:effectRef>
+          <a:fontRef idx="minor">
+            <a:schemeClr val="lt1"/>
+          </a:fontRef>
+        </p:style>
+        <p:txBody>
+          <a:bodyPr rtlCol="0" anchor="ctr"/>
+          <a:lstStyle/>
+          <a:p>
+            <a:pPr algn="ctr"/>
+            <a:r>
+              <a:rPr lang="en-GB" sz="1700" b="1" cap="all" dirty="0" smtClean="0">
+                <a:solidFill>
+                  <a:schemeClr val="tx1"/>
+                </a:solidFill>
+                <a:latin typeface="BankGothic Md BT" panose="020B0807020203060204" pitchFamily="34" charset="0"/>
+                <a:cs typeface="Leelawadee UI Semilight" panose="020B0402040204020203" pitchFamily="34" charset="-34"/>
+              </a:rPr>
+              <a:t>Shoulder</a:t>
+            </a:r>
+          </a:p>
+        </p:txBody>
+      </p:sp>
+      <p:sp>
+        <p:nvSpPr>
+          <p:cNvPr id="19" name="Rechteck 18"/>
+          <p:cNvSpPr/>
+          <p:nvPr/>
+        </p:nvSpPr>
+        <p:spPr>
+          <a:xfrm>
+            <a:off x="4838087" y="6445951"/>
+            <a:ext cx="1961968" cy="1114528"/>
+          </a:xfrm>
+          <a:prstGeom prst="rect">
+            <a:avLst/>
+          </a:prstGeom>
+          <a:noFill/>
+          <a:ln>
+            <a:noFill/>
+          </a:ln>
+        </p:spPr>
+        <p:style>
+          <a:lnRef idx="2">
+            <a:schemeClr val="accent1">
+              <a:shade val="50000"/>
+            </a:schemeClr>
+          </a:lnRef>
+          <a:fillRef idx="1">
+            <a:schemeClr val="accent1"/>
+          </a:fillRef>
+          <a:effectRef idx="0">
+            <a:schemeClr val="accent1"/>
+          </a:effectRef>
+          <a:fontRef idx="minor">
+            <a:schemeClr val="lt1"/>
+          </a:fontRef>
+        </p:style>
+        <p:txBody>
+          <a:bodyPr rtlCol="0" anchor="ctr"/>
+          <a:lstStyle/>
+          <a:p>
+            <a:pPr algn="ctr"/>
+            <a:r>
+              <a:rPr lang="en-GB" sz="1700" b="1" cap="all" dirty="0" smtClean="0">
+                <a:solidFill>
+                  <a:schemeClr val="tx1"/>
+                </a:solidFill>
+                <a:latin typeface="BankGothic Md BT" panose="020B0807020203060204" pitchFamily="34" charset="0"/>
+                <a:cs typeface="Leelawadee UI Semilight" panose="020B0402040204020203" pitchFamily="34" charset="-34"/>
+              </a:rPr>
+              <a:t>Upper arm</a:t>
+            </a:r>
+          </a:p>
+        </p:txBody>
+      </p:sp>
+      <p:sp>
+        <p:nvSpPr>
+          <p:cNvPr id="22" name="Rechteck 21"/>
+          <p:cNvSpPr/>
+          <p:nvPr/>
+        </p:nvSpPr>
+        <p:spPr>
+          <a:xfrm>
+            <a:off x="2769625" y="7608937"/>
+            <a:ext cx="2067167" cy="1114528"/>
+          </a:xfrm>
+          <a:prstGeom prst="rect">
+            <a:avLst/>
+          </a:prstGeom>
+          <a:noFill/>
+          <a:ln>
+            <a:noFill/>
+          </a:ln>
+        </p:spPr>
+        <p:style>
+          <a:lnRef idx="2">
+            <a:schemeClr val="accent1">
+              <a:shade val="50000"/>
+            </a:schemeClr>
+          </a:lnRef>
+          <a:fillRef idx="1">
+            <a:schemeClr val="accent1"/>
+          </a:fillRef>
+          <a:effectRef idx="0">
+            <a:schemeClr val="accent1"/>
+          </a:effectRef>
+          <a:fontRef idx="minor">
+            <a:schemeClr val="lt1"/>
+          </a:fontRef>
+        </p:style>
+        <p:txBody>
+          <a:bodyPr rtlCol="0" anchor="ctr"/>
+          <a:lstStyle/>
+          <a:p>
+            <a:pPr algn="ctr"/>
+            <a:r>
+              <a:rPr lang="en-GB" sz="1700" b="1" cap="all" dirty="0" smtClean="0">
+                <a:solidFill>
+                  <a:schemeClr val="tx1"/>
+                </a:solidFill>
+                <a:latin typeface="BankGothic Md BT" panose="020B0807020203060204" pitchFamily="34" charset="0"/>
+                <a:cs typeface="Leelawadee UI Semilight" panose="020B0402040204020203" pitchFamily="34" charset="-34"/>
+              </a:rPr>
+              <a:t>Forearm</a:t>
+            </a:r>
+          </a:p>
+        </p:txBody>
+      </p:sp>
+      <p:sp>
+        <p:nvSpPr>
+          <p:cNvPr id="23" name="Rechteck 22"/>
+          <p:cNvSpPr/>
+          <p:nvPr/>
+        </p:nvSpPr>
+        <p:spPr>
+          <a:xfrm>
+            <a:off x="4838087" y="7608937"/>
+            <a:ext cx="1961968" cy="1114528"/>
+          </a:xfrm>
+          <a:prstGeom prst="rect">
+            <a:avLst/>
+          </a:prstGeom>
+          <a:noFill/>
+          <a:ln>
+            <a:noFill/>
+          </a:ln>
+        </p:spPr>
+        <p:style>
+          <a:lnRef idx="2">
+            <a:schemeClr val="accent1">
+              <a:shade val="50000"/>
+            </a:schemeClr>
+          </a:lnRef>
+          <a:fillRef idx="1">
+            <a:schemeClr val="accent1"/>
+          </a:fillRef>
+          <a:effectRef idx="0">
+            <a:schemeClr val="accent1"/>
+          </a:effectRef>
+          <a:fontRef idx="minor">
+            <a:schemeClr val="lt1"/>
+          </a:fontRef>
+        </p:style>
+        <p:txBody>
+          <a:bodyPr rtlCol="0" anchor="ctr"/>
+          <a:lstStyle/>
+          <a:p>
+            <a:pPr algn="ctr"/>
+            <a:r>
+              <a:rPr lang="en-GB" sz="1700" b="1" cap="all" dirty="0" smtClean="0">
+                <a:solidFill>
+                  <a:schemeClr val="tx1"/>
+                </a:solidFill>
+                <a:latin typeface="BankGothic Md BT" panose="020B0807020203060204" pitchFamily="34" charset="0"/>
+                <a:cs typeface="Leelawadee UI Semilight" panose="020B0402040204020203" pitchFamily="34" charset="-34"/>
+              </a:rPr>
+              <a:t>Elbow</a:t>
+            </a:r>
+          </a:p>
+        </p:txBody>
+      </p:sp>
+      <p:sp>
+        <p:nvSpPr>
+          <p:cNvPr id="25" name="Rechteck 24"/>
+          <p:cNvSpPr/>
+          <p:nvPr/>
+        </p:nvSpPr>
+        <p:spPr>
+          <a:xfrm>
+            <a:off x="2769625" y="8771923"/>
+            <a:ext cx="2067167" cy="1114528"/>
+          </a:xfrm>
+          <a:prstGeom prst="rect">
+            <a:avLst/>
+          </a:prstGeom>
+          <a:noFill/>
+          <a:ln>
+            <a:noFill/>
+          </a:ln>
+        </p:spPr>
+        <p:style>
+          <a:lnRef idx="2">
+            <a:schemeClr val="accent1">
+              <a:shade val="50000"/>
+            </a:schemeClr>
+          </a:lnRef>
+          <a:fillRef idx="1">
+            <a:schemeClr val="accent1"/>
+          </a:fillRef>
+          <a:effectRef idx="0">
+            <a:schemeClr val="accent1"/>
+          </a:effectRef>
+          <a:fontRef idx="minor">
+            <a:schemeClr val="lt1"/>
+          </a:fontRef>
+        </p:style>
+        <p:txBody>
+          <a:bodyPr rtlCol="0" anchor="ctr"/>
+          <a:lstStyle/>
+          <a:p>
+            <a:pPr algn="ctr"/>
+            <a:r>
+              <a:rPr lang="en-GB" sz="1700" b="1" cap="all" dirty="0" smtClean="0">
+                <a:solidFill>
+                  <a:schemeClr val="tx1"/>
+                </a:solidFill>
+                <a:latin typeface="BankGothic Md BT" panose="020B0807020203060204" pitchFamily="34" charset="0"/>
+                <a:cs typeface="Leelawadee UI Semilight" panose="020B0402040204020203" pitchFamily="34" charset="-34"/>
+              </a:rPr>
+              <a:t>Wrist</a:t>
+            </a:r>
+          </a:p>
+        </p:txBody>
+      </p:sp>
+      <p:sp>
+        <p:nvSpPr>
+          <p:cNvPr id="26" name="Rechteck 25"/>
+          <p:cNvSpPr/>
+          <p:nvPr/>
+        </p:nvSpPr>
+        <p:spPr>
+          <a:xfrm>
+            <a:off x="4838087" y="8771923"/>
+            <a:ext cx="1961968" cy="1114528"/>
+          </a:xfrm>
+          <a:prstGeom prst="rect">
+            <a:avLst/>
+          </a:prstGeom>
+          <a:noFill/>
+          <a:ln>
+            <a:noFill/>
+          </a:ln>
+        </p:spPr>
+        <p:style>
+          <a:lnRef idx="2">
+            <a:schemeClr val="accent1">
+              <a:shade val="50000"/>
+            </a:schemeClr>
+          </a:lnRef>
+          <a:fillRef idx="1">
+            <a:schemeClr val="accent1"/>
+          </a:fillRef>
+          <a:effectRef idx="0">
+            <a:schemeClr val="accent1"/>
+          </a:effectRef>
+          <a:fontRef idx="minor">
+            <a:schemeClr val="lt1"/>
+          </a:fontRef>
+        </p:style>
+        <p:txBody>
+          <a:bodyPr rtlCol="0" anchor="ctr"/>
+          <a:lstStyle/>
+          <a:p>
+            <a:pPr algn="ctr"/>
+            <a:r>
+              <a:rPr lang="en-GB" sz="1700" b="1" cap="all" dirty="0" smtClean="0">
+                <a:solidFill>
+                  <a:schemeClr val="tx1"/>
+                </a:solidFill>
+                <a:latin typeface="BankGothic Md BT" panose="020B0807020203060204" pitchFamily="34" charset="0"/>
+                <a:cs typeface="Leelawadee UI Semilight" panose="020B0402040204020203" pitchFamily="34" charset="-34"/>
+              </a:rPr>
+              <a:t>Hand</a:t>
+            </a:r>
+          </a:p>
+        </p:txBody>
+      </p:sp>
+      <p:sp>
+        <p:nvSpPr>
+          <p:cNvPr id="28" name="Rechteck 27"/>
+          <p:cNvSpPr/>
+          <p:nvPr/>
+        </p:nvSpPr>
+        <p:spPr>
+          <a:xfrm>
+            <a:off x="2769625" y="9934909"/>
+            <a:ext cx="2067167" cy="1114528"/>
+          </a:xfrm>
+          <a:prstGeom prst="rect">
+            <a:avLst/>
+          </a:prstGeom>
+          <a:noFill/>
+          <a:ln>
+            <a:noFill/>
+          </a:ln>
+        </p:spPr>
+        <p:style>
+          <a:lnRef idx="2">
+            <a:schemeClr val="accent1">
+              <a:shade val="50000"/>
+            </a:schemeClr>
+          </a:lnRef>
+          <a:fillRef idx="1">
+            <a:schemeClr val="accent1"/>
+          </a:fillRef>
+          <a:effectRef idx="0">
+            <a:schemeClr val="accent1"/>
+          </a:effectRef>
+          <a:fontRef idx="minor">
+            <a:schemeClr val="lt1"/>
+          </a:fontRef>
+        </p:style>
+        <p:txBody>
+          <a:bodyPr rtlCol="0" anchor="ctr"/>
+          <a:lstStyle/>
+          <a:p>
+            <a:pPr algn="ctr"/>
+            <a:r>
+              <a:rPr lang="en-GB" sz="1700" b="1" cap="all" dirty="0" smtClean="0">
+                <a:solidFill>
+                  <a:schemeClr val="tx1"/>
+                </a:solidFill>
+                <a:latin typeface="BankGothic Md BT" panose="020B0807020203060204" pitchFamily="34" charset="0"/>
+                <a:cs typeface="Leelawadee UI Semilight" panose="020B0402040204020203" pitchFamily="34" charset="-34"/>
+              </a:rPr>
+              <a:t>Finger</a:t>
+            </a:r>
+          </a:p>
+        </p:txBody>
+      </p:sp>
+      <p:sp>
+        <p:nvSpPr>
+          <p:cNvPr id="29" name="Rechteck 28"/>
+          <p:cNvSpPr/>
+          <p:nvPr/>
+        </p:nvSpPr>
+        <p:spPr>
+          <a:xfrm>
+            <a:off x="4838087" y="9934909"/>
+            <a:ext cx="1961968" cy="1114528"/>
+          </a:xfrm>
+          <a:prstGeom prst="rect">
+            <a:avLst/>
+          </a:prstGeom>
+          <a:noFill/>
+          <a:ln>
+            <a:noFill/>
+          </a:ln>
+        </p:spPr>
+        <p:style>
+          <a:lnRef idx="2">
+            <a:schemeClr val="accent1">
+              <a:shade val="50000"/>
+            </a:schemeClr>
+          </a:lnRef>
+          <a:fillRef idx="1">
+            <a:schemeClr val="accent1"/>
+          </a:fillRef>
+          <a:effectRef idx="0">
+            <a:schemeClr val="accent1"/>
+          </a:effectRef>
+          <a:fontRef idx="minor">
+            <a:schemeClr val="lt1"/>
+          </a:fontRef>
+        </p:style>
+        <p:txBody>
+          <a:bodyPr rtlCol="0" anchor="ctr"/>
+          <a:lstStyle/>
+          <a:p>
+            <a:pPr algn="ctr"/>
+            <a:r>
+              <a:rPr lang="en-GB" sz="1700" b="1" cap="all" dirty="0" smtClean="0">
+                <a:solidFill>
+                  <a:schemeClr val="tx1"/>
+                </a:solidFill>
+                <a:latin typeface="BankGothic Md BT" panose="020B0807020203060204" pitchFamily="34" charset="0"/>
+                <a:cs typeface="Leelawadee UI Semilight" panose="020B0402040204020203" pitchFamily="34" charset="-34"/>
+              </a:rPr>
+              <a:t>Broken </a:t>
+            </a:r>
+            <a:endParaRPr lang="en-GB" sz="1700" b="1" cap="all" dirty="0" smtClean="0">
+              <a:solidFill>
+                <a:schemeClr val="tx1"/>
+              </a:solidFill>
+              <a:latin typeface="BankGothic Md BT" panose="020B0807020203060204" pitchFamily="34" charset="0"/>
+              <a:cs typeface="Leelawadee UI Semilight" panose="020B0402040204020203" pitchFamily="34" charset="-34"/>
+            </a:endParaRPr>
+          </a:p>
+          <a:p>
+            <a:pPr algn="ctr"/>
+            <a:r>
+              <a:rPr lang="en-GB" sz="1700" b="1" cap="all" dirty="0" smtClean="0">
+                <a:solidFill>
+                  <a:schemeClr val="tx1"/>
+                </a:solidFill>
+                <a:latin typeface="BankGothic Md BT" panose="020B0807020203060204" pitchFamily="34" charset="0"/>
+                <a:cs typeface="Leelawadee UI Semilight" panose="020B0402040204020203" pitchFamily="34" charset="-34"/>
+              </a:rPr>
+              <a:t>light</a:t>
+            </a:r>
+            <a:endParaRPr lang="en-GB" sz="1700" b="1" cap="all" dirty="0">
+              <a:solidFill>
+                <a:schemeClr val="tx1"/>
+              </a:solidFill>
+              <a:latin typeface="BankGothic Md BT" panose="020B0807020203060204" pitchFamily="34" charset="0"/>
+              <a:cs typeface="Leelawadee UI Semilight" panose="020B0402040204020203" pitchFamily="34" charset="-34"/>
+            </a:endParaRPr>
+          </a:p>
+        </p:txBody>
+      </p:sp>
     </p:spTree>
     <p:extLst>
       <p:ext uri="{BB962C8B-B14F-4D97-AF65-F5344CB8AC3E}">
